--- a/talks/2022-UC-data_visualization_and_accessibility.pptx
+++ b/talks/2022-UC-data_visualization_and_accessibility.pptx
@@ -5,67 +5,68 @@
     <p:sldMasterId id="2147483648" r:id="rId1"/>
   </p:sldMasterIdLst>
   <p:notesMasterIdLst>
-    <p:notesMasterId r:id="rId50"/>
+    <p:notesMasterId r:id="rId51"/>
   </p:notesMasterIdLst>
   <p:sldIdLst>
     <p:sldId id="256" r:id="rId2"/>
-    <p:sldId id="257" r:id="rId3"/>
-    <p:sldId id="317" r:id="rId4"/>
-    <p:sldId id="261" r:id="rId5"/>
-    <p:sldId id="318" r:id="rId6"/>
-    <p:sldId id="309" r:id="rId7"/>
-    <p:sldId id="267" r:id="rId8"/>
-    <p:sldId id="262" r:id="rId9"/>
-    <p:sldId id="263" r:id="rId10"/>
-    <p:sldId id="265" r:id="rId11"/>
-    <p:sldId id="310" r:id="rId12"/>
-    <p:sldId id="311" r:id="rId13"/>
-    <p:sldId id="312" r:id="rId14"/>
-    <p:sldId id="268" r:id="rId15"/>
-    <p:sldId id="269" r:id="rId16"/>
-    <p:sldId id="270" r:id="rId17"/>
-    <p:sldId id="316" r:id="rId18"/>
-    <p:sldId id="272" r:id="rId19"/>
-    <p:sldId id="273" r:id="rId20"/>
-    <p:sldId id="314" r:id="rId21"/>
-    <p:sldId id="313" r:id="rId22"/>
-    <p:sldId id="315" r:id="rId23"/>
-    <p:sldId id="275" r:id="rId24"/>
-    <p:sldId id="276" r:id="rId25"/>
-    <p:sldId id="277" r:id="rId26"/>
-    <p:sldId id="278" r:id="rId27"/>
-    <p:sldId id="279" r:id="rId28"/>
-    <p:sldId id="280" r:id="rId29"/>
-    <p:sldId id="281" r:id="rId30"/>
-    <p:sldId id="282" r:id="rId31"/>
-    <p:sldId id="283" r:id="rId32"/>
-    <p:sldId id="284" r:id="rId33"/>
-    <p:sldId id="285" r:id="rId34"/>
-    <p:sldId id="286" r:id="rId35"/>
-    <p:sldId id="287" r:id="rId36"/>
-    <p:sldId id="288" r:id="rId37"/>
-    <p:sldId id="289" r:id="rId38"/>
-    <p:sldId id="290" r:id="rId39"/>
-    <p:sldId id="291" r:id="rId40"/>
-    <p:sldId id="292" r:id="rId41"/>
-    <p:sldId id="293" r:id="rId42"/>
-    <p:sldId id="294" r:id="rId43"/>
-    <p:sldId id="295" r:id="rId44"/>
-    <p:sldId id="296" r:id="rId45"/>
-    <p:sldId id="297" r:id="rId46"/>
-    <p:sldId id="306" r:id="rId47"/>
-    <p:sldId id="307" r:id="rId48"/>
-    <p:sldId id="308" r:id="rId49"/>
+    <p:sldId id="319" r:id="rId3"/>
+    <p:sldId id="257" r:id="rId4"/>
+    <p:sldId id="317" r:id="rId5"/>
+    <p:sldId id="261" r:id="rId6"/>
+    <p:sldId id="318" r:id="rId7"/>
+    <p:sldId id="309" r:id="rId8"/>
+    <p:sldId id="267" r:id="rId9"/>
+    <p:sldId id="262" r:id="rId10"/>
+    <p:sldId id="263" r:id="rId11"/>
+    <p:sldId id="265" r:id="rId12"/>
+    <p:sldId id="310" r:id="rId13"/>
+    <p:sldId id="311" r:id="rId14"/>
+    <p:sldId id="312" r:id="rId15"/>
+    <p:sldId id="268" r:id="rId16"/>
+    <p:sldId id="269" r:id="rId17"/>
+    <p:sldId id="270" r:id="rId18"/>
+    <p:sldId id="316" r:id="rId19"/>
+    <p:sldId id="272" r:id="rId20"/>
+    <p:sldId id="273" r:id="rId21"/>
+    <p:sldId id="314" r:id="rId22"/>
+    <p:sldId id="313" r:id="rId23"/>
+    <p:sldId id="315" r:id="rId24"/>
+    <p:sldId id="275" r:id="rId25"/>
+    <p:sldId id="276" r:id="rId26"/>
+    <p:sldId id="277" r:id="rId27"/>
+    <p:sldId id="278" r:id="rId28"/>
+    <p:sldId id="279" r:id="rId29"/>
+    <p:sldId id="280" r:id="rId30"/>
+    <p:sldId id="281" r:id="rId31"/>
+    <p:sldId id="282" r:id="rId32"/>
+    <p:sldId id="283" r:id="rId33"/>
+    <p:sldId id="284" r:id="rId34"/>
+    <p:sldId id="285" r:id="rId35"/>
+    <p:sldId id="286" r:id="rId36"/>
+    <p:sldId id="287" r:id="rId37"/>
+    <p:sldId id="288" r:id="rId38"/>
+    <p:sldId id="289" r:id="rId39"/>
+    <p:sldId id="290" r:id="rId40"/>
+    <p:sldId id="291" r:id="rId41"/>
+    <p:sldId id="292" r:id="rId42"/>
+    <p:sldId id="293" r:id="rId43"/>
+    <p:sldId id="294" r:id="rId44"/>
+    <p:sldId id="295" r:id="rId45"/>
+    <p:sldId id="296" r:id="rId46"/>
+    <p:sldId id="297" r:id="rId47"/>
+    <p:sldId id="306" r:id="rId48"/>
+    <p:sldId id="307" r:id="rId49"/>
+    <p:sldId id="308" r:id="rId50"/>
   </p:sldIdLst>
   <p:sldSz cx="24384000" cy="13716000"/>
   <p:notesSz cx="6858000" cy="9144000"/>
   <p:embeddedFontLst>
     <p:embeddedFont>
       <p:font typeface="Helvetica Neue" panose="02000503000000020004" pitchFamily="2" charset="0"/>
-      <p:regular r:id="rId51"/>
-      <p:bold r:id="rId52"/>
-      <p:italic r:id="rId53"/>
-      <p:boldItalic r:id="rId54"/>
+      <p:regular r:id="rId52"/>
+      <p:bold r:id="rId53"/>
+      <p:italic r:id="rId54"/>
+      <p:boldItalic r:id="rId55"/>
     </p:embeddedFont>
   </p:embeddedFontLst>
   <p:defaultTextStyle>
@@ -947,6 +948,110 @@
   <p:cSld>
     <p:spTree>
       <p:nvGrpSpPr>
+        <p:cNvPr id="1" name="Shape 174"/>
+        <p:cNvGrpSpPr/>
+        <p:nvPr/>
+      </p:nvGrpSpPr>
+      <p:grpSpPr>
+        <a:xfrm>
+          <a:off x="0" y="0"/>
+          <a:ext cx="0" cy="0"/>
+          <a:chOff x="0" y="0"/>
+          <a:chExt cx="0" cy="0"/>
+        </a:xfrm>
+      </p:grpSpPr>
+      <p:sp>
+        <p:nvSpPr>
+          <p:cNvPr id="175" name="Google Shape;175;g10104eaf235_0_35:notes"/>
+          <p:cNvSpPr>
+            <a:spLocks noGrp="1" noRot="1" noChangeAspect="1"/>
+          </p:cNvSpPr>
+          <p:nvPr>
+            <p:ph type="sldImg" idx="2"/>
+          </p:nvPr>
+        </p:nvSpPr>
+        <p:spPr>
+          <a:xfrm>
+            <a:off x="381000" y="685800"/>
+            <a:ext cx="6096000" cy="3429000"/>
+          </a:xfrm>
+          <a:custGeom>
+            <a:avLst/>
+            <a:gdLst/>
+            <a:ahLst/>
+            <a:cxnLst/>
+            <a:rect l="l" t="t" r="r" b="b"/>
+            <a:pathLst>
+              <a:path w="120000" h="120000" extrusionOk="0">
+                <a:moveTo>
+                  <a:pt x="0" y="0"/>
+                </a:moveTo>
+                <a:lnTo>
+                  <a:pt x="120000" y="0"/>
+                </a:lnTo>
+                <a:lnTo>
+                  <a:pt x="120000" y="120000"/>
+                </a:lnTo>
+                <a:lnTo>
+                  <a:pt x="0" y="120000"/>
+                </a:lnTo>
+                <a:close/>
+              </a:path>
+            </a:pathLst>
+          </a:custGeom>
+        </p:spPr>
+      </p:sp>
+      <p:sp>
+        <p:nvSpPr>
+          <p:cNvPr id="176" name="Google Shape;176;g10104eaf235_0_35:notes"/>
+          <p:cNvSpPr txBox="1">
+            <a:spLocks noGrp="1"/>
+          </p:cNvSpPr>
+          <p:nvPr>
+            <p:ph type="body" idx="1"/>
+          </p:nvPr>
+        </p:nvSpPr>
+        <p:spPr>
+          <a:xfrm>
+            <a:off x="914400" y="4343400"/>
+            <a:ext cx="5029200" cy="4114800"/>
+          </a:xfrm>
+          <a:prstGeom prst="rect">
+            <a:avLst/>
+          </a:prstGeom>
+        </p:spPr>
+        <p:txBody>
+          <a:bodyPr spcFirstLastPara="1" wrap="square" lIns="91425" tIns="45700" rIns="91425" bIns="45700" anchor="t" anchorCtr="0">
+            <a:noAutofit/>
+          </a:bodyPr>
+          <a:lstStyle/>
+          <a:p>
+            <a:pPr marL="0" lvl="0" indent="0" algn="l" rtl="0">
+              <a:spcBef>
+                <a:spcPts val="0"/>
+              </a:spcBef>
+              <a:spcAft>
+                <a:spcPts val="0"/>
+              </a:spcAft>
+              <a:buNone/>
+            </a:pPr>
+            <a:endParaRPr/>
+          </a:p>
+        </p:txBody>
+      </p:sp>
+    </p:spTree>
+  </p:cSld>
+  <p:clrMapOvr>
+    <a:masterClrMapping/>
+  </p:clrMapOvr>
+</p:notes>
+</file>
+
+<file path=ppt/notesSlides/notesSlide11.xml><?xml version="1.0" encoding="utf-8"?>
+<p:notes xmlns:a="http://schemas.openxmlformats.org/drawingml/2006/main" xmlns:r="http://schemas.openxmlformats.org/officeDocument/2006/relationships" xmlns:p="http://schemas.openxmlformats.org/presentationml/2006/main" showMasterSp="0" showMasterPhAnim="0">
+  <p:cSld>
+    <p:spTree>
+      <p:nvGrpSpPr>
         <p:cNvPr id="1" name="Shape 189"/>
         <p:cNvGrpSpPr/>
         <p:nvPr/>
@@ -1046,7 +1151,7 @@
 </p:notes>
 </file>
 
-<file path=ppt/notesSlides/notesSlide11.xml><?xml version="1.0" encoding="utf-8"?>
+<file path=ppt/notesSlides/notesSlide12.xml><?xml version="1.0" encoding="utf-8"?>
 <p:notes xmlns:a="http://schemas.openxmlformats.org/drawingml/2006/main" xmlns:r="http://schemas.openxmlformats.org/officeDocument/2006/relationships" xmlns:p="http://schemas.openxmlformats.org/presentationml/2006/main" showMasterSp="0" showMasterPhAnim="0">
   <p:cSld>
     <p:spTree>
@@ -1155,7 +1260,7 @@
 </p:notes>
 </file>
 
-<file path=ppt/notesSlides/notesSlide12.xml><?xml version="1.0" encoding="utf-8"?>
+<file path=ppt/notesSlides/notesSlide13.xml><?xml version="1.0" encoding="utf-8"?>
 <p:notes xmlns:a="http://schemas.openxmlformats.org/drawingml/2006/main" xmlns:r="http://schemas.openxmlformats.org/officeDocument/2006/relationships" xmlns:p="http://schemas.openxmlformats.org/presentationml/2006/main" showMasterSp="0" showMasterPhAnim="0">
   <p:cSld>
     <p:spTree>
@@ -1264,7 +1369,7 @@
 </p:notes>
 </file>
 
-<file path=ppt/notesSlides/notesSlide13.xml><?xml version="1.0" encoding="utf-8"?>
+<file path=ppt/notesSlides/notesSlide14.xml><?xml version="1.0" encoding="utf-8"?>
 <p:notes xmlns:a="http://schemas.openxmlformats.org/drawingml/2006/main" xmlns:r="http://schemas.openxmlformats.org/officeDocument/2006/relationships" xmlns:p="http://schemas.openxmlformats.org/presentationml/2006/main" showMasterSp="0" showMasterPhAnim="0">
   <p:cSld>
     <p:spTree>
@@ -1373,7 +1478,7 @@
 </p:notes>
 </file>
 
-<file path=ppt/notesSlides/notesSlide14.xml><?xml version="1.0" encoding="utf-8"?>
+<file path=ppt/notesSlides/notesSlide15.xml><?xml version="1.0" encoding="utf-8"?>
 <p:notes xmlns:a="http://schemas.openxmlformats.org/drawingml/2006/main" xmlns:r="http://schemas.openxmlformats.org/officeDocument/2006/relationships" xmlns:p="http://schemas.openxmlformats.org/presentationml/2006/main" showMasterSp="0" showMasterPhAnim="0">
   <p:cSld>
     <p:spTree>
@@ -1477,7 +1582,7 @@
 </p:notes>
 </file>
 
-<file path=ppt/notesSlides/notesSlide15.xml><?xml version="1.0" encoding="utf-8"?>
+<file path=ppt/notesSlides/notesSlide16.xml><?xml version="1.0" encoding="utf-8"?>
 <p:notes xmlns:a="http://schemas.openxmlformats.org/drawingml/2006/main" xmlns:r="http://schemas.openxmlformats.org/officeDocument/2006/relationships" xmlns:p="http://schemas.openxmlformats.org/presentationml/2006/main" showMasterSp="0" showMasterPhAnim="0">
   <p:cSld>
     <p:spTree>
@@ -1581,7 +1686,7 @@
 </p:notes>
 </file>
 
-<file path=ppt/notesSlides/notesSlide16.xml><?xml version="1.0" encoding="utf-8"?>
+<file path=ppt/notesSlides/notesSlide17.xml><?xml version="1.0" encoding="utf-8"?>
 <p:notes xmlns:a="http://schemas.openxmlformats.org/drawingml/2006/main" xmlns:r="http://schemas.openxmlformats.org/officeDocument/2006/relationships" xmlns:p="http://schemas.openxmlformats.org/presentationml/2006/main" showMasterSp="0" showMasterPhAnim="0">
   <p:cSld>
     <p:spTree>
@@ -1685,7 +1790,7 @@
 </p:notes>
 </file>
 
-<file path=ppt/notesSlides/notesSlide17.xml><?xml version="1.0" encoding="utf-8"?>
+<file path=ppt/notesSlides/notesSlide18.xml><?xml version="1.0" encoding="utf-8"?>
 <p:notes xmlns:a="http://schemas.openxmlformats.org/drawingml/2006/main" xmlns:r="http://schemas.openxmlformats.org/officeDocument/2006/relationships" xmlns:p="http://schemas.openxmlformats.org/presentationml/2006/main" showMasterSp="0" showMasterPhAnim="0">
   <p:cSld>
     <p:spTree>
@@ -1794,7 +1899,7 @@
 </p:notes>
 </file>
 
-<file path=ppt/notesSlides/notesSlide18.xml><?xml version="1.0" encoding="utf-8"?>
+<file path=ppt/notesSlides/notesSlide19.xml><?xml version="1.0" encoding="utf-8"?>
 <p:notes xmlns:a="http://schemas.openxmlformats.org/drawingml/2006/main" xmlns:r="http://schemas.openxmlformats.org/officeDocument/2006/relationships" xmlns:p="http://schemas.openxmlformats.org/presentationml/2006/main" showMasterSp="0" showMasterPhAnim="0">
   <p:cSld>
     <p:spTree>
@@ -1898,7 +2003,116 @@
 </p:notes>
 </file>
 
-<file path=ppt/notesSlides/notesSlide19.xml><?xml version="1.0" encoding="utf-8"?>
+<file path=ppt/notesSlides/notesSlide2.xml><?xml version="1.0" encoding="utf-8"?>
+<p:notes xmlns:a="http://schemas.openxmlformats.org/drawingml/2006/main" xmlns:r="http://schemas.openxmlformats.org/officeDocument/2006/relationships" xmlns:p="http://schemas.openxmlformats.org/presentationml/2006/main" showMasterSp="0" showMasterPhAnim="0">
+  <p:cSld>
+    <p:spTree>
+      <p:nvGrpSpPr>
+        <p:cNvPr id="1" name="Shape 160"/>
+        <p:cNvGrpSpPr/>
+        <p:nvPr/>
+      </p:nvGrpSpPr>
+      <p:grpSpPr>
+        <a:xfrm>
+          <a:off x="0" y="0"/>
+          <a:ext cx="0" cy="0"/>
+          <a:chOff x="0" y="0"/>
+          <a:chExt cx="0" cy="0"/>
+        </a:xfrm>
+      </p:grpSpPr>
+      <p:sp>
+        <p:nvSpPr>
+          <p:cNvPr id="161" name="Google Shape;161;g10104eaf235_0_17:notes"/>
+          <p:cNvSpPr>
+            <a:spLocks noGrp="1" noRot="1" noChangeAspect="1"/>
+          </p:cNvSpPr>
+          <p:nvPr>
+            <p:ph type="sldImg" idx="2"/>
+          </p:nvPr>
+        </p:nvSpPr>
+        <p:spPr>
+          <a:xfrm>
+            <a:off x="381000" y="685800"/>
+            <a:ext cx="6096000" cy="3429000"/>
+          </a:xfrm>
+          <a:custGeom>
+            <a:avLst/>
+            <a:gdLst/>
+            <a:ahLst/>
+            <a:cxnLst/>
+            <a:rect l="l" t="t" r="r" b="b"/>
+            <a:pathLst>
+              <a:path w="120000" h="120000" extrusionOk="0">
+                <a:moveTo>
+                  <a:pt x="0" y="0"/>
+                </a:moveTo>
+                <a:lnTo>
+                  <a:pt x="120000" y="0"/>
+                </a:lnTo>
+                <a:lnTo>
+                  <a:pt x="120000" y="120000"/>
+                </a:lnTo>
+                <a:lnTo>
+                  <a:pt x="0" y="120000"/>
+                </a:lnTo>
+                <a:close/>
+              </a:path>
+            </a:pathLst>
+          </a:custGeom>
+        </p:spPr>
+      </p:sp>
+      <p:sp>
+        <p:nvSpPr>
+          <p:cNvPr id="162" name="Google Shape;162;g10104eaf235_0_17:notes"/>
+          <p:cNvSpPr txBox="1">
+            <a:spLocks noGrp="1"/>
+          </p:cNvSpPr>
+          <p:nvPr>
+            <p:ph type="body" idx="1"/>
+          </p:nvPr>
+        </p:nvSpPr>
+        <p:spPr>
+          <a:xfrm>
+            <a:off x="914400" y="4343400"/>
+            <a:ext cx="5029200" cy="4114800"/>
+          </a:xfrm>
+          <a:prstGeom prst="rect">
+            <a:avLst/>
+          </a:prstGeom>
+        </p:spPr>
+        <p:txBody>
+          <a:bodyPr spcFirstLastPara="1" wrap="square" lIns="91425" tIns="45700" rIns="91425" bIns="45700" anchor="t" anchorCtr="0">
+            <a:noAutofit/>
+          </a:bodyPr>
+          <a:lstStyle/>
+          <a:p>
+            <a:pPr marL="0" lvl="0" indent="0" algn="l" rtl="0">
+              <a:spcBef>
+                <a:spcPts val="0"/>
+              </a:spcBef>
+              <a:spcAft>
+                <a:spcPts val="0"/>
+              </a:spcAft>
+              <a:buNone/>
+            </a:pPr>
+            <a:endParaRPr/>
+          </a:p>
+        </p:txBody>
+      </p:sp>
+    </p:spTree>
+    <p:extLst>
+      <p:ext uri="{BB962C8B-B14F-4D97-AF65-F5344CB8AC3E}">
+        <p14:creationId xmlns:p14="http://schemas.microsoft.com/office/powerpoint/2010/main" val="2616017983"/>
+      </p:ext>
+    </p:extLst>
+  </p:cSld>
+  <p:clrMapOvr>
+    <a:masterClrMapping/>
+  </p:clrMapOvr>
+</p:notes>
+</file>
+
+<file path=ppt/notesSlides/notesSlide20.xml><?xml version="1.0" encoding="utf-8"?>
 <p:notes xmlns:a="http://schemas.openxmlformats.org/drawingml/2006/main" xmlns:r="http://schemas.openxmlformats.org/officeDocument/2006/relationships" xmlns:p="http://schemas.openxmlformats.org/presentationml/2006/main" showMasterSp="0" showMasterPhAnim="0">
   <p:cSld>
     <p:spTree>
@@ -2002,111 +2216,7 @@
 </p:notes>
 </file>
 
-<file path=ppt/notesSlides/notesSlide2.xml><?xml version="1.0" encoding="utf-8"?>
-<p:notes xmlns:a="http://schemas.openxmlformats.org/drawingml/2006/main" xmlns:r="http://schemas.openxmlformats.org/officeDocument/2006/relationships" xmlns:p="http://schemas.openxmlformats.org/presentationml/2006/main" showMasterSp="0" showMasterPhAnim="0">
-  <p:cSld>
-    <p:spTree>
-      <p:nvGrpSpPr>
-        <p:cNvPr id="1" name="Shape 129"/>
-        <p:cNvGrpSpPr/>
-        <p:nvPr/>
-      </p:nvGrpSpPr>
-      <p:grpSpPr>
-        <a:xfrm>
-          <a:off x="0" y="0"/>
-          <a:ext cx="0" cy="0"/>
-          <a:chOff x="0" y="0"/>
-          <a:chExt cx="0" cy="0"/>
-        </a:xfrm>
-      </p:grpSpPr>
-      <p:sp>
-        <p:nvSpPr>
-          <p:cNvPr id="130" name="Google Shape;130;p6:notes"/>
-          <p:cNvSpPr txBox="1">
-            <a:spLocks noGrp="1"/>
-          </p:cNvSpPr>
-          <p:nvPr>
-            <p:ph type="body" idx="1"/>
-          </p:nvPr>
-        </p:nvSpPr>
-        <p:spPr>
-          <a:xfrm>
-            <a:off x="914400" y="4343400"/>
-            <a:ext cx="5029200" cy="4114800"/>
-          </a:xfrm>
-          <a:prstGeom prst="rect">
-            <a:avLst/>
-          </a:prstGeom>
-        </p:spPr>
-        <p:txBody>
-          <a:bodyPr spcFirstLastPara="1" wrap="square" lIns="91425" tIns="45700" rIns="91425" bIns="45700" anchor="t" anchorCtr="0">
-            <a:noAutofit/>
-          </a:bodyPr>
-          <a:lstStyle/>
-          <a:p>
-            <a:pPr marL="0" lvl="0" indent="0" algn="l" rtl="0">
-              <a:spcBef>
-                <a:spcPts val="0"/>
-              </a:spcBef>
-              <a:spcAft>
-                <a:spcPts val="0"/>
-              </a:spcAft>
-              <a:buNone/>
-            </a:pPr>
-            <a:endParaRPr/>
-          </a:p>
-        </p:txBody>
-      </p:sp>
-      <p:sp>
-        <p:nvSpPr>
-          <p:cNvPr id="131" name="Google Shape;131;p6:notes"/>
-          <p:cNvSpPr>
-            <a:spLocks noGrp="1" noRot="1" noChangeAspect="1"/>
-          </p:cNvSpPr>
-          <p:nvPr>
-            <p:ph type="sldImg" idx="2"/>
-          </p:nvPr>
-        </p:nvSpPr>
-        <p:spPr>
-          <a:xfrm>
-            <a:off x="381000" y="685800"/>
-            <a:ext cx="6096000" cy="3429000"/>
-          </a:xfrm>
-          <a:custGeom>
-            <a:avLst/>
-            <a:gdLst/>
-            <a:ahLst/>
-            <a:cxnLst/>
-            <a:rect l="l" t="t" r="r" b="b"/>
-            <a:pathLst>
-              <a:path w="120000" h="120000" extrusionOk="0">
-                <a:moveTo>
-                  <a:pt x="0" y="0"/>
-                </a:moveTo>
-                <a:lnTo>
-                  <a:pt x="120000" y="0"/>
-                </a:lnTo>
-                <a:lnTo>
-                  <a:pt x="120000" y="120000"/>
-                </a:lnTo>
-                <a:lnTo>
-                  <a:pt x="0" y="120000"/>
-                </a:lnTo>
-                <a:close/>
-              </a:path>
-            </a:pathLst>
-          </a:custGeom>
-        </p:spPr>
-      </p:sp>
-    </p:spTree>
-  </p:cSld>
-  <p:clrMapOvr>
-    <a:masterClrMapping/>
-  </p:clrMapOvr>
-</p:notes>
-</file>
-
-<file path=ppt/notesSlides/notesSlide20.xml><?xml version="1.0" encoding="utf-8"?>
+<file path=ppt/notesSlides/notesSlide21.xml><?xml version="1.0" encoding="utf-8"?>
 <p:notes xmlns:a="http://schemas.openxmlformats.org/drawingml/2006/main" xmlns:r="http://schemas.openxmlformats.org/officeDocument/2006/relationships" xmlns:p="http://schemas.openxmlformats.org/presentationml/2006/main" showMasterSp="0" showMasterPhAnim="0">
   <p:cSld>
     <p:spTree>
@@ -2215,7 +2325,7 @@
 </p:notes>
 </file>
 
-<file path=ppt/notesSlides/notesSlide21.xml><?xml version="1.0" encoding="utf-8"?>
+<file path=ppt/notesSlides/notesSlide22.xml><?xml version="1.0" encoding="utf-8"?>
 <p:notes xmlns:a="http://schemas.openxmlformats.org/drawingml/2006/main" xmlns:r="http://schemas.openxmlformats.org/officeDocument/2006/relationships" xmlns:p="http://schemas.openxmlformats.org/presentationml/2006/main" showMasterSp="0" showMasterPhAnim="0">
   <p:cSld>
     <p:spTree>
@@ -2324,7 +2434,7 @@
 </p:notes>
 </file>
 
-<file path=ppt/notesSlides/notesSlide22.xml><?xml version="1.0" encoding="utf-8"?>
+<file path=ppt/notesSlides/notesSlide23.xml><?xml version="1.0" encoding="utf-8"?>
 <p:notes xmlns:a="http://schemas.openxmlformats.org/drawingml/2006/main" xmlns:r="http://schemas.openxmlformats.org/officeDocument/2006/relationships" xmlns:p="http://schemas.openxmlformats.org/presentationml/2006/main" showMasterSp="0" showMasterPhAnim="0">
   <p:cSld>
     <p:spTree>
@@ -2433,7 +2543,7 @@
 </p:notes>
 </file>
 
-<file path=ppt/notesSlides/notesSlide23.xml><?xml version="1.0" encoding="utf-8"?>
+<file path=ppt/notesSlides/notesSlide24.xml><?xml version="1.0" encoding="utf-8"?>
 <p:notes xmlns:a="http://schemas.openxmlformats.org/drawingml/2006/main" xmlns:r="http://schemas.openxmlformats.org/officeDocument/2006/relationships" xmlns:p="http://schemas.openxmlformats.org/presentationml/2006/main" showMasterSp="0" showMasterPhAnim="0">
   <p:cSld>
     <p:spTree>
@@ -2537,7 +2647,7 @@
 </p:notes>
 </file>
 
-<file path=ppt/notesSlides/notesSlide24.xml><?xml version="1.0" encoding="utf-8"?>
+<file path=ppt/notesSlides/notesSlide25.xml><?xml version="1.0" encoding="utf-8"?>
 <p:notes xmlns:a="http://schemas.openxmlformats.org/drawingml/2006/main" xmlns:r="http://schemas.openxmlformats.org/officeDocument/2006/relationships" xmlns:p="http://schemas.openxmlformats.org/presentationml/2006/main" showMasterSp="0" showMasterPhAnim="0">
   <p:cSld>
     <p:spTree>
@@ -2641,7 +2751,7 @@
 </p:notes>
 </file>
 
-<file path=ppt/notesSlides/notesSlide25.xml><?xml version="1.0" encoding="utf-8"?>
+<file path=ppt/notesSlides/notesSlide26.xml><?xml version="1.0" encoding="utf-8"?>
 <p:notes xmlns:a="http://schemas.openxmlformats.org/drawingml/2006/main" xmlns:r="http://schemas.openxmlformats.org/officeDocument/2006/relationships" xmlns:p="http://schemas.openxmlformats.org/presentationml/2006/main" showMasterSp="0" showMasterPhAnim="0">
   <p:cSld>
     <p:spTree>
@@ -2749,7 +2859,7 @@
 </p:notes>
 </file>
 
-<file path=ppt/notesSlides/notesSlide26.xml><?xml version="1.0" encoding="utf-8"?>
+<file path=ppt/notesSlides/notesSlide27.xml><?xml version="1.0" encoding="utf-8"?>
 <p:notes xmlns:a="http://schemas.openxmlformats.org/drawingml/2006/main" xmlns:r="http://schemas.openxmlformats.org/officeDocument/2006/relationships" xmlns:p="http://schemas.openxmlformats.org/presentationml/2006/main" showMasterSp="0" showMasterPhAnim="0">
   <p:cSld>
     <p:spTree>
@@ -2853,7 +2963,7 @@
 </p:notes>
 </file>
 
-<file path=ppt/notesSlides/notesSlide27.xml><?xml version="1.0" encoding="utf-8"?>
+<file path=ppt/notesSlides/notesSlide28.xml><?xml version="1.0" encoding="utf-8"?>
 <p:notes xmlns:a="http://schemas.openxmlformats.org/drawingml/2006/main" xmlns:r="http://schemas.openxmlformats.org/officeDocument/2006/relationships" xmlns:p="http://schemas.openxmlformats.org/presentationml/2006/main" showMasterSp="0" showMasterPhAnim="0">
   <p:cSld>
     <p:spTree>
@@ -2957,7 +3067,7 @@
 </p:notes>
 </file>
 
-<file path=ppt/notesSlides/notesSlide28.xml><?xml version="1.0" encoding="utf-8"?>
+<file path=ppt/notesSlides/notesSlide29.xml><?xml version="1.0" encoding="utf-8"?>
 <p:notes xmlns:a="http://schemas.openxmlformats.org/drawingml/2006/main" xmlns:r="http://schemas.openxmlformats.org/officeDocument/2006/relationships" xmlns:p="http://schemas.openxmlformats.org/presentationml/2006/main" showMasterSp="0" showMasterPhAnim="0">
   <p:cSld>
     <p:spTree>
@@ -3018,110 +3128,6 @@
       <p:sp>
         <p:nvSpPr>
           <p:cNvPr id="363" name="Google Shape;363;g10117343390_0_239:notes"/>
-          <p:cNvSpPr txBox="1">
-            <a:spLocks noGrp="1"/>
-          </p:cNvSpPr>
-          <p:nvPr>
-            <p:ph type="body" idx="1"/>
-          </p:nvPr>
-        </p:nvSpPr>
-        <p:spPr>
-          <a:xfrm>
-            <a:off x="685800" y="4343400"/>
-            <a:ext cx="5486400" cy="4114800"/>
-          </a:xfrm>
-          <a:prstGeom prst="rect">
-            <a:avLst/>
-          </a:prstGeom>
-        </p:spPr>
-        <p:txBody>
-          <a:bodyPr spcFirstLastPara="1" wrap="square" lIns="91425" tIns="45700" rIns="91425" bIns="45700" anchor="t" anchorCtr="0">
-            <a:noAutofit/>
-          </a:bodyPr>
-          <a:lstStyle/>
-          <a:p>
-            <a:pPr marL="0" lvl="0" indent="0" algn="l" rtl="0">
-              <a:spcBef>
-                <a:spcPts val="0"/>
-              </a:spcBef>
-              <a:spcAft>
-                <a:spcPts val="0"/>
-              </a:spcAft>
-              <a:buNone/>
-            </a:pPr>
-            <a:endParaRPr/>
-          </a:p>
-        </p:txBody>
-      </p:sp>
-    </p:spTree>
-  </p:cSld>
-  <p:clrMapOvr>
-    <a:masterClrMapping/>
-  </p:clrMapOvr>
-</p:notes>
-</file>
-
-<file path=ppt/notesSlides/notesSlide29.xml><?xml version="1.0" encoding="utf-8"?>
-<p:notes xmlns:a="http://schemas.openxmlformats.org/drawingml/2006/main" xmlns:r="http://schemas.openxmlformats.org/officeDocument/2006/relationships" xmlns:p="http://schemas.openxmlformats.org/presentationml/2006/main" showMasterSp="0" showMasterPhAnim="0">
-  <p:cSld>
-    <p:spTree>
-      <p:nvGrpSpPr>
-        <p:cNvPr id="1" name="Shape 369"/>
-        <p:cNvGrpSpPr/>
-        <p:nvPr/>
-      </p:nvGrpSpPr>
-      <p:grpSpPr>
-        <a:xfrm>
-          <a:off x="0" y="0"/>
-          <a:ext cx="0" cy="0"/>
-          <a:chOff x="0" y="0"/>
-          <a:chExt cx="0" cy="0"/>
-        </a:xfrm>
-      </p:grpSpPr>
-      <p:sp>
-        <p:nvSpPr>
-          <p:cNvPr id="370" name="Google Shape;370;g10117343390_0_231:notes"/>
-          <p:cNvSpPr>
-            <a:spLocks noGrp="1" noRot="1" noChangeAspect="1"/>
-          </p:cNvSpPr>
-          <p:nvPr>
-            <p:ph type="sldImg" idx="2"/>
-          </p:nvPr>
-        </p:nvSpPr>
-        <p:spPr>
-          <a:xfrm>
-            <a:off x="381300" y="685800"/>
-            <a:ext cx="6096000" cy="3429000"/>
-          </a:xfrm>
-          <a:custGeom>
-            <a:avLst/>
-            <a:gdLst/>
-            <a:ahLst/>
-            <a:cxnLst/>
-            <a:rect l="l" t="t" r="r" b="b"/>
-            <a:pathLst>
-              <a:path w="120000" h="120000" extrusionOk="0">
-                <a:moveTo>
-                  <a:pt x="0" y="0"/>
-                </a:moveTo>
-                <a:lnTo>
-                  <a:pt x="120000" y="0"/>
-                </a:lnTo>
-                <a:lnTo>
-                  <a:pt x="120000" y="120000"/>
-                </a:lnTo>
-                <a:lnTo>
-                  <a:pt x="0" y="120000"/>
-                </a:lnTo>
-                <a:close/>
-              </a:path>
-            </a:pathLst>
-          </a:custGeom>
-        </p:spPr>
-      </p:sp>
-      <p:sp>
-        <p:nvSpPr>
-          <p:cNvPr id="371" name="Google Shape;371;g10117343390_0_231:notes"/>
           <p:cNvSpPr txBox="1">
             <a:spLocks noGrp="1"/>
           </p:cNvSpPr>
@@ -3262,11 +3268,6 @@
         </p:spPr>
       </p:sp>
     </p:spTree>
-    <p:extLst>
-      <p:ext uri="{BB962C8B-B14F-4D97-AF65-F5344CB8AC3E}">
-        <p14:creationId xmlns:p14="http://schemas.microsoft.com/office/powerpoint/2010/main" val="3083356288"/>
-      </p:ext>
-    </p:extLst>
   </p:cSld>
   <p:clrMapOvr>
     <a:masterClrMapping/>
@@ -3275,6 +3276,110 @@
 </file>
 
 <file path=ppt/notesSlides/notesSlide30.xml><?xml version="1.0" encoding="utf-8"?>
+<p:notes xmlns:a="http://schemas.openxmlformats.org/drawingml/2006/main" xmlns:r="http://schemas.openxmlformats.org/officeDocument/2006/relationships" xmlns:p="http://schemas.openxmlformats.org/presentationml/2006/main" showMasterSp="0" showMasterPhAnim="0">
+  <p:cSld>
+    <p:spTree>
+      <p:nvGrpSpPr>
+        <p:cNvPr id="1" name="Shape 369"/>
+        <p:cNvGrpSpPr/>
+        <p:nvPr/>
+      </p:nvGrpSpPr>
+      <p:grpSpPr>
+        <a:xfrm>
+          <a:off x="0" y="0"/>
+          <a:ext cx="0" cy="0"/>
+          <a:chOff x="0" y="0"/>
+          <a:chExt cx="0" cy="0"/>
+        </a:xfrm>
+      </p:grpSpPr>
+      <p:sp>
+        <p:nvSpPr>
+          <p:cNvPr id="370" name="Google Shape;370;g10117343390_0_231:notes"/>
+          <p:cNvSpPr>
+            <a:spLocks noGrp="1" noRot="1" noChangeAspect="1"/>
+          </p:cNvSpPr>
+          <p:nvPr>
+            <p:ph type="sldImg" idx="2"/>
+          </p:nvPr>
+        </p:nvSpPr>
+        <p:spPr>
+          <a:xfrm>
+            <a:off x="381300" y="685800"/>
+            <a:ext cx="6096000" cy="3429000"/>
+          </a:xfrm>
+          <a:custGeom>
+            <a:avLst/>
+            <a:gdLst/>
+            <a:ahLst/>
+            <a:cxnLst/>
+            <a:rect l="l" t="t" r="r" b="b"/>
+            <a:pathLst>
+              <a:path w="120000" h="120000" extrusionOk="0">
+                <a:moveTo>
+                  <a:pt x="0" y="0"/>
+                </a:moveTo>
+                <a:lnTo>
+                  <a:pt x="120000" y="0"/>
+                </a:lnTo>
+                <a:lnTo>
+                  <a:pt x="120000" y="120000"/>
+                </a:lnTo>
+                <a:lnTo>
+                  <a:pt x="0" y="120000"/>
+                </a:lnTo>
+                <a:close/>
+              </a:path>
+            </a:pathLst>
+          </a:custGeom>
+        </p:spPr>
+      </p:sp>
+      <p:sp>
+        <p:nvSpPr>
+          <p:cNvPr id="371" name="Google Shape;371;g10117343390_0_231:notes"/>
+          <p:cNvSpPr txBox="1">
+            <a:spLocks noGrp="1"/>
+          </p:cNvSpPr>
+          <p:nvPr>
+            <p:ph type="body" idx="1"/>
+          </p:nvPr>
+        </p:nvSpPr>
+        <p:spPr>
+          <a:xfrm>
+            <a:off x="685800" y="4343400"/>
+            <a:ext cx="5486400" cy="4114800"/>
+          </a:xfrm>
+          <a:prstGeom prst="rect">
+            <a:avLst/>
+          </a:prstGeom>
+        </p:spPr>
+        <p:txBody>
+          <a:bodyPr spcFirstLastPara="1" wrap="square" lIns="91425" tIns="45700" rIns="91425" bIns="45700" anchor="t" anchorCtr="0">
+            <a:noAutofit/>
+          </a:bodyPr>
+          <a:lstStyle/>
+          <a:p>
+            <a:pPr marL="0" lvl="0" indent="0" algn="l" rtl="0">
+              <a:spcBef>
+                <a:spcPts val="0"/>
+              </a:spcBef>
+              <a:spcAft>
+                <a:spcPts val="0"/>
+              </a:spcAft>
+              <a:buNone/>
+            </a:pPr>
+            <a:endParaRPr/>
+          </a:p>
+        </p:txBody>
+      </p:sp>
+    </p:spTree>
+  </p:cSld>
+  <p:clrMapOvr>
+    <a:masterClrMapping/>
+  </p:clrMapOvr>
+</p:notes>
+</file>
+
+<file path=ppt/notesSlides/notesSlide31.xml><?xml version="1.0" encoding="utf-8"?>
 <p:notes xmlns:a="http://schemas.openxmlformats.org/drawingml/2006/main" xmlns:r="http://schemas.openxmlformats.org/officeDocument/2006/relationships" xmlns:p="http://schemas.openxmlformats.org/presentationml/2006/main" showMasterSp="0" showMasterPhAnim="0">
   <p:cSld>
     <p:spTree>
@@ -3378,7 +3483,7 @@
 </p:notes>
 </file>
 
-<file path=ppt/notesSlides/notesSlide31.xml><?xml version="1.0" encoding="utf-8"?>
+<file path=ppt/notesSlides/notesSlide32.xml><?xml version="1.0" encoding="utf-8"?>
 <p:notes xmlns:a="http://schemas.openxmlformats.org/drawingml/2006/main" xmlns:r="http://schemas.openxmlformats.org/officeDocument/2006/relationships" xmlns:p="http://schemas.openxmlformats.org/presentationml/2006/main" showMasterSp="0" showMasterPhAnim="0">
   <p:cSld>
     <p:spTree>
@@ -3482,7 +3587,7 @@
 </p:notes>
 </file>
 
-<file path=ppt/notesSlides/notesSlide32.xml><?xml version="1.0" encoding="utf-8"?>
+<file path=ppt/notesSlides/notesSlide33.xml><?xml version="1.0" encoding="utf-8"?>
 <p:notes xmlns:a="http://schemas.openxmlformats.org/drawingml/2006/main" xmlns:r="http://schemas.openxmlformats.org/officeDocument/2006/relationships" xmlns:p="http://schemas.openxmlformats.org/presentationml/2006/main" showMasterSp="0" showMasterPhAnim="0">
   <p:cSld>
     <p:spTree>
@@ -3586,7 +3691,7 @@
 </p:notes>
 </file>
 
-<file path=ppt/notesSlides/notesSlide33.xml><?xml version="1.0" encoding="utf-8"?>
+<file path=ppt/notesSlides/notesSlide34.xml><?xml version="1.0" encoding="utf-8"?>
 <p:notes xmlns:a="http://schemas.openxmlformats.org/drawingml/2006/main" xmlns:r="http://schemas.openxmlformats.org/officeDocument/2006/relationships" xmlns:p="http://schemas.openxmlformats.org/presentationml/2006/main" showMasterSp="0" showMasterPhAnim="0">
   <p:cSld>
     <p:spTree>
@@ -3690,7 +3795,7 @@
 </p:notes>
 </file>
 
-<file path=ppt/notesSlides/notesSlide34.xml><?xml version="1.0" encoding="utf-8"?>
+<file path=ppt/notesSlides/notesSlide35.xml><?xml version="1.0" encoding="utf-8"?>
 <p:notes xmlns:a="http://schemas.openxmlformats.org/drawingml/2006/main" xmlns:r="http://schemas.openxmlformats.org/officeDocument/2006/relationships" xmlns:p="http://schemas.openxmlformats.org/presentationml/2006/main" showMasterSp="0" showMasterPhAnim="0">
   <p:cSld>
     <p:spTree>
@@ -3794,7 +3899,7 @@
 </p:notes>
 </file>
 
-<file path=ppt/notesSlides/notesSlide35.xml><?xml version="1.0" encoding="utf-8"?>
+<file path=ppt/notesSlides/notesSlide36.xml><?xml version="1.0" encoding="utf-8"?>
 <p:notes xmlns:a="http://schemas.openxmlformats.org/drawingml/2006/main" xmlns:r="http://schemas.openxmlformats.org/officeDocument/2006/relationships" xmlns:p="http://schemas.openxmlformats.org/presentationml/2006/main" showMasterSp="0" showMasterPhAnim="0">
   <p:cSld>
     <p:spTree>
@@ -3898,7 +4003,7 @@
 </p:notes>
 </file>
 
-<file path=ppt/notesSlides/notesSlide36.xml><?xml version="1.0" encoding="utf-8"?>
+<file path=ppt/notesSlides/notesSlide37.xml><?xml version="1.0" encoding="utf-8"?>
 <p:notes xmlns:a="http://schemas.openxmlformats.org/drawingml/2006/main" xmlns:r="http://schemas.openxmlformats.org/officeDocument/2006/relationships" xmlns:p="http://schemas.openxmlformats.org/presentationml/2006/main" showMasterSp="0" showMasterPhAnim="0">
   <p:cSld>
     <p:spTree>
@@ -4002,7 +4107,7 @@
 </p:notes>
 </file>
 
-<file path=ppt/notesSlides/notesSlide37.xml><?xml version="1.0" encoding="utf-8"?>
+<file path=ppt/notesSlides/notesSlide38.xml><?xml version="1.0" encoding="utf-8"?>
 <p:notes xmlns:a="http://schemas.openxmlformats.org/drawingml/2006/main" xmlns:r="http://schemas.openxmlformats.org/officeDocument/2006/relationships" xmlns:p="http://schemas.openxmlformats.org/presentationml/2006/main" showMasterSp="0" showMasterPhAnim="0">
   <p:cSld>
     <p:spTree>
@@ -4106,7 +4211,7 @@
 </p:notes>
 </file>
 
-<file path=ppt/notesSlides/notesSlide38.xml><?xml version="1.0" encoding="utf-8"?>
+<file path=ppt/notesSlides/notesSlide39.xml><?xml version="1.0" encoding="utf-8"?>
 <p:notes xmlns:a="http://schemas.openxmlformats.org/drawingml/2006/main" xmlns:r="http://schemas.openxmlformats.org/officeDocument/2006/relationships" xmlns:p="http://schemas.openxmlformats.org/presentationml/2006/main" showMasterSp="0" showMasterPhAnim="0">
   <p:cSld>
     <p:spTree>
@@ -4210,7 +4315,116 @@
 </p:notes>
 </file>
 
-<file path=ppt/notesSlides/notesSlide39.xml><?xml version="1.0" encoding="utf-8"?>
+<file path=ppt/notesSlides/notesSlide4.xml><?xml version="1.0" encoding="utf-8"?>
+<p:notes xmlns:a="http://schemas.openxmlformats.org/drawingml/2006/main" xmlns:r="http://schemas.openxmlformats.org/officeDocument/2006/relationships" xmlns:p="http://schemas.openxmlformats.org/presentationml/2006/main" showMasterSp="0" showMasterPhAnim="0">
+  <p:cSld>
+    <p:spTree>
+      <p:nvGrpSpPr>
+        <p:cNvPr id="1" name="Shape 129"/>
+        <p:cNvGrpSpPr/>
+        <p:nvPr/>
+      </p:nvGrpSpPr>
+      <p:grpSpPr>
+        <a:xfrm>
+          <a:off x="0" y="0"/>
+          <a:ext cx="0" cy="0"/>
+          <a:chOff x="0" y="0"/>
+          <a:chExt cx="0" cy="0"/>
+        </a:xfrm>
+      </p:grpSpPr>
+      <p:sp>
+        <p:nvSpPr>
+          <p:cNvPr id="130" name="Google Shape;130;p6:notes"/>
+          <p:cNvSpPr txBox="1">
+            <a:spLocks noGrp="1"/>
+          </p:cNvSpPr>
+          <p:nvPr>
+            <p:ph type="body" idx="1"/>
+          </p:nvPr>
+        </p:nvSpPr>
+        <p:spPr>
+          <a:xfrm>
+            <a:off x="914400" y="4343400"/>
+            <a:ext cx="5029200" cy="4114800"/>
+          </a:xfrm>
+          <a:prstGeom prst="rect">
+            <a:avLst/>
+          </a:prstGeom>
+        </p:spPr>
+        <p:txBody>
+          <a:bodyPr spcFirstLastPara="1" wrap="square" lIns="91425" tIns="45700" rIns="91425" bIns="45700" anchor="t" anchorCtr="0">
+            <a:noAutofit/>
+          </a:bodyPr>
+          <a:lstStyle/>
+          <a:p>
+            <a:pPr marL="0" lvl="0" indent="0" algn="l" rtl="0">
+              <a:spcBef>
+                <a:spcPts val="0"/>
+              </a:spcBef>
+              <a:spcAft>
+                <a:spcPts val="0"/>
+              </a:spcAft>
+              <a:buNone/>
+            </a:pPr>
+            <a:endParaRPr/>
+          </a:p>
+        </p:txBody>
+      </p:sp>
+      <p:sp>
+        <p:nvSpPr>
+          <p:cNvPr id="131" name="Google Shape;131;p6:notes"/>
+          <p:cNvSpPr>
+            <a:spLocks noGrp="1" noRot="1" noChangeAspect="1"/>
+          </p:cNvSpPr>
+          <p:nvPr>
+            <p:ph type="sldImg" idx="2"/>
+          </p:nvPr>
+        </p:nvSpPr>
+        <p:spPr>
+          <a:xfrm>
+            <a:off x="381000" y="685800"/>
+            <a:ext cx="6096000" cy="3429000"/>
+          </a:xfrm>
+          <a:custGeom>
+            <a:avLst/>
+            <a:gdLst/>
+            <a:ahLst/>
+            <a:cxnLst/>
+            <a:rect l="l" t="t" r="r" b="b"/>
+            <a:pathLst>
+              <a:path w="120000" h="120000" extrusionOk="0">
+                <a:moveTo>
+                  <a:pt x="0" y="0"/>
+                </a:moveTo>
+                <a:lnTo>
+                  <a:pt x="120000" y="0"/>
+                </a:lnTo>
+                <a:lnTo>
+                  <a:pt x="120000" y="120000"/>
+                </a:lnTo>
+                <a:lnTo>
+                  <a:pt x="0" y="120000"/>
+                </a:lnTo>
+                <a:close/>
+              </a:path>
+            </a:pathLst>
+          </a:custGeom>
+        </p:spPr>
+      </p:sp>
+    </p:spTree>
+    <p:extLst>
+      <p:ext uri="{BB962C8B-B14F-4D97-AF65-F5344CB8AC3E}">
+        <p14:creationId xmlns:p14="http://schemas.microsoft.com/office/powerpoint/2010/main" val="3083356288"/>
+      </p:ext>
+    </p:extLst>
+  </p:cSld>
+  <p:clrMapOvr>
+    <a:masterClrMapping/>
+  </p:clrMapOvr>
+</p:notes>
+</file>
+
+<file path=ppt/notesSlides/notesSlide40.xml><?xml version="1.0" encoding="utf-8"?>
 <p:notes xmlns:a="http://schemas.openxmlformats.org/drawingml/2006/main" xmlns:r="http://schemas.openxmlformats.org/officeDocument/2006/relationships" xmlns:p="http://schemas.openxmlformats.org/presentationml/2006/main" showMasterSp="0" showMasterPhAnim="0">
   <p:cSld>
     <p:spTree>
@@ -4314,111 +4528,7 @@
 </p:notes>
 </file>
 
-<file path=ppt/notesSlides/notesSlide4.xml><?xml version="1.0" encoding="utf-8"?>
-<p:notes xmlns:a="http://schemas.openxmlformats.org/drawingml/2006/main" xmlns:r="http://schemas.openxmlformats.org/officeDocument/2006/relationships" xmlns:p="http://schemas.openxmlformats.org/presentationml/2006/main" showMasterSp="0" showMasterPhAnim="0">
-  <p:cSld>
-    <p:spTree>
-      <p:nvGrpSpPr>
-        <p:cNvPr id="1" name="Shape 160"/>
-        <p:cNvGrpSpPr/>
-        <p:nvPr/>
-      </p:nvGrpSpPr>
-      <p:grpSpPr>
-        <a:xfrm>
-          <a:off x="0" y="0"/>
-          <a:ext cx="0" cy="0"/>
-          <a:chOff x="0" y="0"/>
-          <a:chExt cx="0" cy="0"/>
-        </a:xfrm>
-      </p:grpSpPr>
-      <p:sp>
-        <p:nvSpPr>
-          <p:cNvPr id="161" name="Google Shape;161;g10104eaf235_0_17:notes"/>
-          <p:cNvSpPr>
-            <a:spLocks noGrp="1" noRot="1" noChangeAspect="1"/>
-          </p:cNvSpPr>
-          <p:nvPr>
-            <p:ph type="sldImg" idx="2"/>
-          </p:nvPr>
-        </p:nvSpPr>
-        <p:spPr>
-          <a:xfrm>
-            <a:off x="381000" y="685800"/>
-            <a:ext cx="6096000" cy="3429000"/>
-          </a:xfrm>
-          <a:custGeom>
-            <a:avLst/>
-            <a:gdLst/>
-            <a:ahLst/>
-            <a:cxnLst/>
-            <a:rect l="l" t="t" r="r" b="b"/>
-            <a:pathLst>
-              <a:path w="120000" h="120000" extrusionOk="0">
-                <a:moveTo>
-                  <a:pt x="0" y="0"/>
-                </a:moveTo>
-                <a:lnTo>
-                  <a:pt x="120000" y="0"/>
-                </a:lnTo>
-                <a:lnTo>
-                  <a:pt x="120000" y="120000"/>
-                </a:lnTo>
-                <a:lnTo>
-                  <a:pt x="0" y="120000"/>
-                </a:lnTo>
-                <a:close/>
-              </a:path>
-            </a:pathLst>
-          </a:custGeom>
-        </p:spPr>
-      </p:sp>
-      <p:sp>
-        <p:nvSpPr>
-          <p:cNvPr id="162" name="Google Shape;162;g10104eaf235_0_17:notes"/>
-          <p:cNvSpPr txBox="1">
-            <a:spLocks noGrp="1"/>
-          </p:cNvSpPr>
-          <p:nvPr>
-            <p:ph type="body" idx="1"/>
-          </p:nvPr>
-        </p:nvSpPr>
-        <p:spPr>
-          <a:xfrm>
-            <a:off x="914400" y="4343400"/>
-            <a:ext cx="5029200" cy="4114800"/>
-          </a:xfrm>
-          <a:prstGeom prst="rect">
-            <a:avLst/>
-          </a:prstGeom>
-        </p:spPr>
-        <p:txBody>
-          <a:bodyPr spcFirstLastPara="1" wrap="square" lIns="91425" tIns="45700" rIns="91425" bIns="45700" anchor="t" anchorCtr="0">
-            <a:noAutofit/>
-          </a:bodyPr>
-          <a:lstStyle/>
-          <a:p>
-            <a:pPr marL="0" lvl="0" indent="0" algn="l" rtl="0">
-              <a:spcBef>
-                <a:spcPts val="0"/>
-              </a:spcBef>
-              <a:spcAft>
-                <a:spcPts val="0"/>
-              </a:spcAft>
-              <a:buNone/>
-            </a:pPr>
-            <a:endParaRPr/>
-          </a:p>
-        </p:txBody>
-      </p:sp>
-    </p:spTree>
-  </p:cSld>
-  <p:clrMapOvr>
-    <a:masterClrMapping/>
-  </p:clrMapOvr>
-</p:notes>
-</file>
-
-<file path=ppt/notesSlides/notesSlide40.xml><?xml version="1.0" encoding="utf-8"?>
+<file path=ppt/notesSlides/notesSlide41.xml><?xml version="1.0" encoding="utf-8"?>
 <p:notes xmlns:a="http://schemas.openxmlformats.org/drawingml/2006/main" xmlns:r="http://schemas.openxmlformats.org/officeDocument/2006/relationships" xmlns:p="http://schemas.openxmlformats.org/presentationml/2006/main" showMasterSp="0" showMasterPhAnim="0">
   <p:cSld>
     <p:spTree>
@@ -4522,7 +4632,7 @@
 </p:notes>
 </file>
 
-<file path=ppt/notesSlides/notesSlide41.xml><?xml version="1.0" encoding="utf-8"?>
+<file path=ppt/notesSlides/notesSlide42.xml><?xml version="1.0" encoding="utf-8"?>
 <p:notes xmlns:a="http://schemas.openxmlformats.org/drawingml/2006/main" xmlns:r="http://schemas.openxmlformats.org/officeDocument/2006/relationships" xmlns:p="http://schemas.openxmlformats.org/presentationml/2006/main" showMasterSp="0" showMasterPhAnim="0">
   <p:cSld>
     <p:spTree>
@@ -4626,7 +4736,7 @@
 </p:notes>
 </file>
 
-<file path=ppt/notesSlides/notesSlide42.xml><?xml version="1.0" encoding="utf-8"?>
+<file path=ppt/notesSlides/notesSlide43.xml><?xml version="1.0" encoding="utf-8"?>
 <p:notes xmlns:a="http://schemas.openxmlformats.org/drawingml/2006/main" xmlns:r="http://schemas.openxmlformats.org/officeDocument/2006/relationships" xmlns:p="http://schemas.openxmlformats.org/presentationml/2006/main" showMasterSp="0" showMasterPhAnim="0">
   <p:cSld>
     <p:spTree>
@@ -4730,7 +4840,7 @@
 </p:notes>
 </file>
 
-<file path=ppt/notesSlides/notesSlide43.xml><?xml version="1.0" encoding="utf-8"?>
+<file path=ppt/notesSlides/notesSlide44.xml><?xml version="1.0" encoding="utf-8"?>
 <p:notes xmlns:a="http://schemas.openxmlformats.org/drawingml/2006/main" xmlns:r="http://schemas.openxmlformats.org/officeDocument/2006/relationships" xmlns:p="http://schemas.openxmlformats.org/presentationml/2006/main" showMasterSp="0" showMasterPhAnim="0">
   <p:cSld>
     <p:spTree>
@@ -4834,7 +4944,7 @@
 </p:notes>
 </file>
 
-<file path=ppt/notesSlides/notesSlide44.xml><?xml version="1.0" encoding="utf-8"?>
+<file path=ppt/notesSlides/notesSlide45.xml><?xml version="1.0" encoding="utf-8"?>
 <p:notes xmlns:a="http://schemas.openxmlformats.org/drawingml/2006/main" xmlns:r="http://schemas.openxmlformats.org/officeDocument/2006/relationships" xmlns:p="http://schemas.openxmlformats.org/presentationml/2006/main" showMasterSp="0" showMasterPhAnim="0">
   <p:cSld>
     <p:spTree>
@@ -4938,7 +5048,7 @@
 </p:notes>
 </file>
 
-<file path=ppt/notesSlides/notesSlide45.xml><?xml version="1.0" encoding="utf-8"?>
+<file path=ppt/notesSlides/notesSlide46.xml><?xml version="1.0" encoding="utf-8"?>
 <p:notes xmlns:a="http://schemas.openxmlformats.org/drawingml/2006/main" xmlns:r="http://schemas.openxmlformats.org/officeDocument/2006/relationships" xmlns:p="http://schemas.openxmlformats.org/presentationml/2006/main" showMasterSp="0" showMasterPhAnim="0">
   <p:cSld>
     <p:spTree>
@@ -5042,7 +5152,7 @@
 </p:notes>
 </file>
 
-<file path=ppt/notesSlides/notesSlide46.xml><?xml version="1.0" encoding="utf-8"?>
+<file path=ppt/notesSlides/notesSlide47.xml><?xml version="1.0" encoding="utf-8"?>
 <p:notes xmlns:a="http://schemas.openxmlformats.org/drawingml/2006/main" xmlns:r="http://schemas.openxmlformats.org/officeDocument/2006/relationships" xmlns:p="http://schemas.openxmlformats.org/presentationml/2006/main" showMasterSp="0" showMasterPhAnim="0">
   <p:cSld>
     <p:spTree>
@@ -5146,7 +5256,7 @@
 </p:notes>
 </file>
 
-<file path=ppt/notesSlides/notesSlide47.xml><?xml version="1.0" encoding="utf-8"?>
+<file path=ppt/notesSlides/notesSlide48.xml><?xml version="1.0" encoding="utf-8"?>
 <p:notes xmlns:a="http://schemas.openxmlformats.org/drawingml/2006/main" xmlns:r="http://schemas.openxmlformats.org/officeDocument/2006/relationships" xmlns:p="http://schemas.openxmlformats.org/presentationml/2006/main" showMasterSp="0" showMasterPhAnim="0">
   <p:cSld>
     <p:spTree>
@@ -5250,7 +5360,7 @@
 </p:notes>
 </file>
 
-<file path=ppt/notesSlides/notesSlide48.xml><?xml version="1.0" encoding="utf-8"?>
+<file path=ppt/notesSlides/notesSlide49.xml><?xml version="1.0" encoding="utf-8"?>
 <p:notes xmlns:a="http://schemas.openxmlformats.org/drawingml/2006/main" xmlns:r="http://schemas.openxmlformats.org/officeDocument/2006/relationships" xmlns:p="http://schemas.openxmlformats.org/presentationml/2006/main" showMasterSp="0" showMasterPhAnim="0">
   <p:cSld>
     <p:spTree>
@@ -5451,6 +5561,110 @@
         </p:txBody>
       </p:sp>
     </p:spTree>
+  </p:cSld>
+  <p:clrMapOvr>
+    <a:masterClrMapping/>
+  </p:clrMapOvr>
+</p:notes>
+</file>
+
+<file path=ppt/notesSlides/notesSlide6.xml><?xml version="1.0" encoding="utf-8"?>
+<p:notes xmlns:a="http://schemas.openxmlformats.org/drawingml/2006/main" xmlns:r="http://schemas.openxmlformats.org/officeDocument/2006/relationships" xmlns:p="http://schemas.openxmlformats.org/presentationml/2006/main" showMasterSp="0" showMasterPhAnim="0">
+  <p:cSld>
+    <p:spTree>
+      <p:nvGrpSpPr>
+        <p:cNvPr id="1" name="Shape 160"/>
+        <p:cNvGrpSpPr/>
+        <p:nvPr/>
+      </p:nvGrpSpPr>
+      <p:grpSpPr>
+        <a:xfrm>
+          <a:off x="0" y="0"/>
+          <a:ext cx="0" cy="0"/>
+          <a:chOff x="0" y="0"/>
+          <a:chExt cx="0" cy="0"/>
+        </a:xfrm>
+      </p:grpSpPr>
+      <p:sp>
+        <p:nvSpPr>
+          <p:cNvPr id="161" name="Google Shape;161;g10104eaf235_0_17:notes"/>
+          <p:cNvSpPr>
+            <a:spLocks noGrp="1" noRot="1" noChangeAspect="1"/>
+          </p:cNvSpPr>
+          <p:nvPr>
+            <p:ph type="sldImg" idx="2"/>
+          </p:nvPr>
+        </p:nvSpPr>
+        <p:spPr>
+          <a:xfrm>
+            <a:off x="381000" y="685800"/>
+            <a:ext cx="6096000" cy="3429000"/>
+          </a:xfrm>
+          <a:custGeom>
+            <a:avLst/>
+            <a:gdLst/>
+            <a:ahLst/>
+            <a:cxnLst/>
+            <a:rect l="l" t="t" r="r" b="b"/>
+            <a:pathLst>
+              <a:path w="120000" h="120000" extrusionOk="0">
+                <a:moveTo>
+                  <a:pt x="0" y="0"/>
+                </a:moveTo>
+                <a:lnTo>
+                  <a:pt x="120000" y="0"/>
+                </a:lnTo>
+                <a:lnTo>
+                  <a:pt x="120000" y="120000"/>
+                </a:lnTo>
+                <a:lnTo>
+                  <a:pt x="0" y="120000"/>
+                </a:lnTo>
+                <a:close/>
+              </a:path>
+            </a:pathLst>
+          </a:custGeom>
+        </p:spPr>
+      </p:sp>
+      <p:sp>
+        <p:nvSpPr>
+          <p:cNvPr id="162" name="Google Shape;162;g10104eaf235_0_17:notes"/>
+          <p:cNvSpPr txBox="1">
+            <a:spLocks noGrp="1"/>
+          </p:cNvSpPr>
+          <p:nvPr>
+            <p:ph type="body" idx="1"/>
+          </p:nvPr>
+        </p:nvSpPr>
+        <p:spPr>
+          <a:xfrm>
+            <a:off x="914400" y="4343400"/>
+            <a:ext cx="5029200" cy="4114800"/>
+          </a:xfrm>
+          <a:prstGeom prst="rect">
+            <a:avLst/>
+          </a:prstGeom>
+        </p:spPr>
+        <p:txBody>
+          <a:bodyPr spcFirstLastPara="1" wrap="square" lIns="91425" tIns="45700" rIns="91425" bIns="45700" anchor="t" anchorCtr="0">
+            <a:noAutofit/>
+          </a:bodyPr>
+          <a:lstStyle/>
+          <a:p>
+            <a:pPr marL="0" lvl="0" indent="0" algn="l" rtl="0">
+              <a:spcBef>
+                <a:spcPts val="0"/>
+              </a:spcBef>
+              <a:spcAft>
+                <a:spcPts val="0"/>
+              </a:spcAft>
+              <a:buNone/>
+            </a:pPr>
+            <a:endParaRPr/>
+          </a:p>
+        </p:txBody>
+      </p:sp>
+    </p:spTree>
     <p:extLst>
       <p:ext uri="{BB962C8B-B14F-4D97-AF65-F5344CB8AC3E}">
         <p14:creationId xmlns:p14="http://schemas.microsoft.com/office/powerpoint/2010/main" val="3767174955"/>
@@ -5463,7 +5677,7 @@
 </p:notes>
 </file>
 
-<file path=ppt/notesSlides/notesSlide6.xml><?xml version="1.0" encoding="utf-8"?>
+<file path=ppt/notesSlides/notesSlide7.xml><?xml version="1.0" encoding="utf-8"?>
 <p:notes xmlns:a="http://schemas.openxmlformats.org/drawingml/2006/main" xmlns:r="http://schemas.openxmlformats.org/officeDocument/2006/relationships" xmlns:p="http://schemas.openxmlformats.org/presentationml/2006/main" showMasterSp="0" showMasterPhAnim="0">
   <p:cSld>
     <p:spTree>
@@ -5572,7 +5786,7 @@
 </p:notes>
 </file>
 
-<file path=ppt/notesSlides/notesSlide7.xml><?xml version="1.0" encoding="utf-8"?>
+<file path=ppt/notesSlides/notesSlide8.xml><?xml version="1.0" encoding="utf-8"?>
 <p:notes xmlns:a="http://schemas.openxmlformats.org/drawingml/2006/main" xmlns:r="http://schemas.openxmlformats.org/officeDocument/2006/relationships" xmlns:p="http://schemas.openxmlformats.org/presentationml/2006/main" showMasterSp="0" showMasterPhAnim="0">
   <p:cSld>
     <p:spTree>
@@ -5676,7 +5890,7 @@
 </p:notes>
 </file>
 
-<file path=ppt/notesSlides/notesSlide8.xml><?xml version="1.0" encoding="utf-8"?>
+<file path=ppt/notesSlides/notesSlide9.xml><?xml version="1.0" encoding="utf-8"?>
 <p:notes xmlns:a="http://schemas.openxmlformats.org/drawingml/2006/main" xmlns:r="http://schemas.openxmlformats.org/officeDocument/2006/relationships" xmlns:p="http://schemas.openxmlformats.org/presentationml/2006/main" showMasterSp="0" showMasterPhAnim="0">
   <p:cSld>
     <p:spTree>
@@ -5737,110 +5951,6 @@
       <p:sp>
         <p:nvSpPr>
           <p:cNvPr id="169" name="Google Shape;169;g10104eaf235_0_29:notes"/>
-          <p:cNvSpPr txBox="1">
-            <a:spLocks noGrp="1"/>
-          </p:cNvSpPr>
-          <p:nvPr>
-            <p:ph type="body" idx="1"/>
-          </p:nvPr>
-        </p:nvSpPr>
-        <p:spPr>
-          <a:xfrm>
-            <a:off x="914400" y="4343400"/>
-            <a:ext cx="5029200" cy="4114800"/>
-          </a:xfrm>
-          <a:prstGeom prst="rect">
-            <a:avLst/>
-          </a:prstGeom>
-        </p:spPr>
-        <p:txBody>
-          <a:bodyPr spcFirstLastPara="1" wrap="square" lIns="91425" tIns="45700" rIns="91425" bIns="45700" anchor="t" anchorCtr="0">
-            <a:noAutofit/>
-          </a:bodyPr>
-          <a:lstStyle/>
-          <a:p>
-            <a:pPr marL="0" lvl="0" indent="0" algn="l" rtl="0">
-              <a:spcBef>
-                <a:spcPts val="0"/>
-              </a:spcBef>
-              <a:spcAft>
-                <a:spcPts val="0"/>
-              </a:spcAft>
-              <a:buNone/>
-            </a:pPr>
-            <a:endParaRPr/>
-          </a:p>
-        </p:txBody>
-      </p:sp>
-    </p:spTree>
-  </p:cSld>
-  <p:clrMapOvr>
-    <a:masterClrMapping/>
-  </p:clrMapOvr>
-</p:notes>
-</file>
-
-<file path=ppt/notesSlides/notesSlide9.xml><?xml version="1.0" encoding="utf-8"?>
-<p:notes xmlns:a="http://schemas.openxmlformats.org/drawingml/2006/main" xmlns:r="http://schemas.openxmlformats.org/officeDocument/2006/relationships" xmlns:p="http://schemas.openxmlformats.org/presentationml/2006/main" showMasterSp="0" showMasterPhAnim="0">
-  <p:cSld>
-    <p:spTree>
-      <p:nvGrpSpPr>
-        <p:cNvPr id="1" name="Shape 174"/>
-        <p:cNvGrpSpPr/>
-        <p:nvPr/>
-      </p:nvGrpSpPr>
-      <p:grpSpPr>
-        <a:xfrm>
-          <a:off x="0" y="0"/>
-          <a:ext cx="0" cy="0"/>
-          <a:chOff x="0" y="0"/>
-          <a:chExt cx="0" cy="0"/>
-        </a:xfrm>
-      </p:grpSpPr>
-      <p:sp>
-        <p:nvSpPr>
-          <p:cNvPr id="175" name="Google Shape;175;g10104eaf235_0_35:notes"/>
-          <p:cNvSpPr>
-            <a:spLocks noGrp="1" noRot="1" noChangeAspect="1"/>
-          </p:cNvSpPr>
-          <p:nvPr>
-            <p:ph type="sldImg" idx="2"/>
-          </p:nvPr>
-        </p:nvSpPr>
-        <p:spPr>
-          <a:xfrm>
-            <a:off x="381000" y="685800"/>
-            <a:ext cx="6096000" cy="3429000"/>
-          </a:xfrm>
-          <a:custGeom>
-            <a:avLst/>
-            <a:gdLst/>
-            <a:ahLst/>
-            <a:cxnLst/>
-            <a:rect l="l" t="t" r="r" b="b"/>
-            <a:pathLst>
-              <a:path w="120000" h="120000" extrusionOk="0">
-                <a:moveTo>
-                  <a:pt x="0" y="0"/>
-                </a:moveTo>
-                <a:lnTo>
-                  <a:pt x="120000" y="0"/>
-                </a:lnTo>
-                <a:lnTo>
-                  <a:pt x="120000" y="120000"/>
-                </a:lnTo>
-                <a:lnTo>
-                  <a:pt x="0" y="120000"/>
-                </a:lnTo>
-                <a:close/>
-              </a:path>
-            </a:pathLst>
-          </a:custGeom>
-        </p:spPr>
-      </p:sp>
-      <p:sp>
-        <p:nvSpPr>
-          <p:cNvPr id="176" name="Google Shape;176;g10104eaf235_0_35:notes"/>
           <p:cNvSpPr txBox="1">
             <a:spLocks noGrp="1"/>
           </p:cNvSpPr>
@@ -22952,6 +23062,247 @@
   <p:cSld>
     <p:spTree>
       <p:nvGrpSpPr>
+        <p:cNvPr id="1" name="Shape 177"/>
+        <p:cNvGrpSpPr/>
+        <p:nvPr/>
+      </p:nvGrpSpPr>
+      <p:grpSpPr>
+        <a:xfrm>
+          <a:off x="0" y="0"/>
+          <a:ext cx="0" cy="0"/>
+          <a:chOff x="0" y="0"/>
+          <a:chExt cx="0" cy="0"/>
+        </a:xfrm>
+      </p:grpSpPr>
+      <p:sp>
+        <p:nvSpPr>
+          <p:cNvPr id="178" name="Google Shape;178;g10104eaf235_0_35"/>
+          <p:cNvSpPr txBox="1">
+            <a:spLocks noGrp="1"/>
+          </p:cNvSpPr>
+          <p:nvPr>
+            <p:ph type="title"/>
+          </p:nvPr>
+        </p:nvSpPr>
+        <p:spPr>
+          <a:xfrm>
+            <a:off x="1206450" y="1300074"/>
+            <a:ext cx="21971100" cy="1433100"/>
+          </a:xfrm>
+          <a:prstGeom prst="rect">
+            <a:avLst/>
+          </a:prstGeom>
+        </p:spPr>
+        <p:txBody>
+          <a:bodyPr spcFirstLastPara="1" wrap="square" lIns="50800" tIns="50800" rIns="50800" bIns="50800" anchor="t" anchorCtr="0">
+            <a:normAutofit/>
+          </a:bodyPr>
+          <a:lstStyle/>
+          <a:p>
+            <a:pPr marL="0" lvl="0" indent="0" algn="l" rtl="0">
+              <a:spcBef>
+                <a:spcPts val="0"/>
+              </a:spcBef>
+              <a:spcAft>
+                <a:spcPts val="0"/>
+              </a:spcAft>
+              <a:buNone/>
+            </a:pPr>
+            <a:r>
+              <a:rPr lang="en-US" dirty="0"/>
+              <a:t>1. Access is a human right</a:t>
+            </a:r>
+            <a:endParaRPr dirty="0"/>
+          </a:p>
+        </p:txBody>
+      </p:sp>
+      <p:sp>
+        <p:nvSpPr>
+          <p:cNvPr id="179" name="Google Shape;179;g10104eaf235_0_35"/>
+          <p:cNvSpPr txBox="1">
+            <a:spLocks noGrp="1"/>
+          </p:cNvSpPr>
+          <p:nvPr>
+            <p:ph type="body" idx="1"/>
+          </p:nvPr>
+        </p:nvSpPr>
+        <p:spPr>
+          <a:xfrm>
+            <a:off x="1183250" y="12169100"/>
+            <a:ext cx="21971100" cy="934800"/>
+          </a:xfrm>
+          <a:prstGeom prst="rect">
+            <a:avLst/>
+          </a:prstGeom>
+        </p:spPr>
+        <p:txBody>
+          <a:bodyPr spcFirstLastPara="1" wrap="square" lIns="45700" tIns="45700" rIns="45700" bIns="45700" anchor="t" anchorCtr="0">
+            <a:normAutofit/>
+          </a:bodyPr>
+          <a:lstStyle/>
+          <a:p>
+            <a:pPr marL="0" lvl="0" indent="0" algn="l" rtl="0">
+              <a:lnSpc>
+                <a:spcPct val="80000"/>
+              </a:lnSpc>
+              <a:spcBef>
+                <a:spcPts val="0"/>
+              </a:spcBef>
+              <a:spcAft>
+                <a:spcPts val="0"/>
+              </a:spcAft>
+              <a:buSzPts val="688"/>
+              <a:buNone/>
+            </a:pPr>
+            <a:r>
+              <a:rPr lang="en-US" sz="2937" u="sng" dirty="0">
+                <a:solidFill>
+                  <a:schemeClr val="hlink"/>
+                </a:solidFill>
+                <a:hlinkClick r:id="rId3"/>
+              </a:rPr>
+              <a:t>https://www.un.org/development/desa/disabilities/convention-on-the-rights-of-persons-with-disabilities/article-9-accessibility.html</a:t>
+            </a:r>
+            <a:endParaRPr sz="2937" dirty="0"/>
+          </a:p>
+          <a:p>
+            <a:pPr marL="0" lvl="0" indent="0" algn="l" rtl="0">
+              <a:lnSpc>
+                <a:spcPct val="80000"/>
+              </a:lnSpc>
+              <a:spcBef>
+                <a:spcPts val="0"/>
+              </a:spcBef>
+              <a:spcAft>
+                <a:spcPts val="0"/>
+              </a:spcAft>
+              <a:buSzPts val="688"/>
+              <a:buNone/>
+            </a:pPr>
+            <a:r>
+              <a:rPr lang="en-US" sz="2937" u="sng" dirty="0">
+                <a:solidFill>
+                  <a:schemeClr val="hlink"/>
+                </a:solidFill>
+                <a:hlinkClick r:id="rId4"/>
+              </a:rPr>
+              <a:t>https://www.un.org/development/desa/disabilities/convention-on-the-rights-of-persons-with-disabilities/article-10-right-to-life.html</a:t>
+            </a:r>
+            <a:endParaRPr sz="2937" dirty="0"/>
+          </a:p>
+        </p:txBody>
+      </p:sp>
+      <p:sp>
+        <p:nvSpPr>
+          <p:cNvPr id="180" name="Google Shape;180;g10104eaf235_0_35"/>
+          <p:cNvSpPr txBox="1">
+            <a:spLocks noGrp="1"/>
+          </p:cNvSpPr>
+          <p:nvPr>
+            <p:ph type="body" idx="2"/>
+          </p:nvPr>
+        </p:nvSpPr>
+        <p:spPr>
+          <a:xfrm>
+            <a:off x="1183250" y="5151310"/>
+            <a:ext cx="11642413" cy="4599654"/>
+          </a:xfrm>
+          <a:prstGeom prst="rect">
+            <a:avLst/>
+          </a:prstGeom>
+        </p:spPr>
+        <p:txBody>
+          <a:bodyPr spcFirstLastPara="1" wrap="square" lIns="50800" tIns="50800" rIns="50800" bIns="50800" anchor="t" anchorCtr="0">
+            <a:normAutofit/>
+          </a:bodyPr>
+          <a:lstStyle/>
+          <a:p>
+            <a:pPr marL="0" lvl="0" indent="0" algn="l" rtl="0">
+              <a:spcBef>
+                <a:spcPts val="1800"/>
+              </a:spcBef>
+              <a:spcAft>
+                <a:spcPts val="0"/>
+              </a:spcAft>
+              <a:buNone/>
+            </a:pPr>
+            <a:r>
+              <a:rPr lang="en-US" dirty="0"/>
+              <a:t>Accessibility is an internationally recognized human right.</a:t>
+            </a:r>
+            <a:endParaRPr dirty="0"/>
+          </a:p>
+          <a:p>
+            <a:pPr marL="0" lvl="0" indent="0" algn="l" rtl="0">
+              <a:spcBef>
+                <a:spcPts val="1800"/>
+              </a:spcBef>
+              <a:spcAft>
+                <a:spcPts val="0"/>
+              </a:spcAft>
+              <a:buNone/>
+            </a:pPr>
+            <a:endParaRPr dirty="0"/>
+          </a:p>
+          <a:p>
+            <a:pPr marL="0" lvl="0" indent="0" algn="l" rtl="0">
+              <a:spcBef>
+                <a:spcPts val="1800"/>
+              </a:spcBef>
+              <a:spcAft>
+                <a:spcPts val="0"/>
+              </a:spcAft>
+              <a:buNone/>
+            </a:pPr>
+            <a:r>
+              <a:rPr lang="en-US" dirty="0"/>
+              <a:t>It is the morally and ethically correct thing to do.</a:t>
+            </a:r>
+            <a:endParaRPr dirty="0"/>
+          </a:p>
+        </p:txBody>
+      </p:sp>
+      <p:pic>
+        <p:nvPicPr>
+          <p:cNvPr id="181" name="Google Shape;181;g10104eaf235_0_35" title="united nations logo"/>
+          <p:cNvPicPr preferRelativeResize="0"/>
+          <p:nvPr/>
+        </p:nvPicPr>
+        <p:blipFill>
+          <a:blip r:embed="rId5">
+            <a:alphaModFix/>
+          </a:blip>
+          <a:stretch>
+            <a:fillRect/>
+          </a:stretch>
+        </p:blipFill>
+        <p:spPr>
+          <a:xfrm>
+            <a:off x="13423900" y="3307762"/>
+            <a:ext cx="9753600" cy="8286750"/>
+          </a:xfrm>
+          <a:prstGeom prst="rect">
+            <a:avLst/>
+          </a:prstGeom>
+          <a:noFill/>
+          <a:ln>
+            <a:noFill/>
+          </a:ln>
+        </p:spPr>
+      </p:pic>
+    </p:spTree>
+  </p:cSld>
+  <p:clrMapOvr>
+    <a:masterClrMapping/>
+  </p:clrMapOvr>
+</p:sld>
+</file>
+
+<file path=ppt/slides/slide11.xml><?xml version="1.0" encoding="utf-8"?>
+<p:sld xmlns:a="http://schemas.openxmlformats.org/drawingml/2006/main" xmlns:r="http://schemas.openxmlformats.org/officeDocument/2006/relationships" xmlns:p="http://schemas.openxmlformats.org/presentationml/2006/main">
+  <p:cSld>
+    <p:spTree>
+      <p:nvGrpSpPr>
         <p:cNvPr id="1" name="Shape 192"/>
         <p:cNvGrpSpPr/>
         <p:nvPr/>
@@ -23014,7 +23365,7 @@
 </p:sld>
 </file>
 
-<file path=ppt/slides/slide11.xml><?xml version="1.0" encoding="utf-8"?>
+<file path=ppt/slides/slide12.xml><?xml version="1.0" encoding="utf-8"?>
 <p:sld xmlns:a="http://schemas.openxmlformats.org/drawingml/2006/main" xmlns:r="http://schemas.openxmlformats.org/officeDocument/2006/relationships" xmlns:p="http://schemas.openxmlformats.org/presentationml/2006/main">
   <p:cSld>
     <p:spTree>
@@ -23366,7 +23717,7 @@
 </p:sld>
 </file>
 
-<file path=ppt/slides/slide12.xml><?xml version="1.0" encoding="utf-8"?>
+<file path=ppt/slides/slide13.xml><?xml version="1.0" encoding="utf-8"?>
 <p:sld xmlns:a="http://schemas.openxmlformats.org/drawingml/2006/main" xmlns:r="http://schemas.openxmlformats.org/officeDocument/2006/relationships" xmlns:p="http://schemas.openxmlformats.org/presentationml/2006/main">
   <p:cSld>
     <p:spTree>
@@ -23695,7 +24046,7 @@
 </p:sld>
 </file>
 
-<file path=ppt/slides/slide13.xml><?xml version="1.0" encoding="utf-8"?>
+<file path=ppt/slides/slide14.xml><?xml version="1.0" encoding="utf-8"?>
 <p:sld xmlns:a="http://schemas.openxmlformats.org/drawingml/2006/main" xmlns:r="http://schemas.openxmlformats.org/officeDocument/2006/relationships" xmlns:p="http://schemas.openxmlformats.org/presentationml/2006/main">
   <p:cSld>
     <p:spTree>
@@ -23846,7 +24197,7 @@
 </p:sld>
 </file>
 
-<file path=ppt/slides/slide14.xml><?xml version="1.0" encoding="utf-8"?>
+<file path=ppt/slides/slide15.xml><?xml version="1.0" encoding="utf-8"?>
 <p:sld xmlns:a="http://schemas.openxmlformats.org/drawingml/2006/main" xmlns:r="http://schemas.openxmlformats.org/officeDocument/2006/relationships" xmlns:p="http://schemas.openxmlformats.org/presentationml/2006/main">
   <p:cSld>
     <p:spTree>
@@ -23994,7 +24345,7 @@
 </p:sld>
 </file>
 
-<file path=ppt/slides/slide15.xml><?xml version="1.0" encoding="utf-8"?>
+<file path=ppt/slides/slide16.xml><?xml version="1.0" encoding="utf-8"?>
 <p:sld xmlns:a="http://schemas.openxmlformats.org/drawingml/2006/main" xmlns:r="http://schemas.openxmlformats.org/officeDocument/2006/relationships" xmlns:p="http://schemas.openxmlformats.org/presentationml/2006/main">
   <p:cSld>
     <p:spTree>
@@ -24131,7 +24482,7 @@
 </p:sld>
 </file>
 
-<file path=ppt/slides/slide16.xml><?xml version="1.0" encoding="utf-8"?>
+<file path=ppt/slides/slide17.xml><?xml version="1.0" encoding="utf-8"?>
 <p:sld xmlns:a="http://schemas.openxmlformats.org/drawingml/2006/main" xmlns:r="http://schemas.openxmlformats.org/officeDocument/2006/relationships" xmlns:p="http://schemas.openxmlformats.org/presentationml/2006/main">
   <p:cSld>
     <p:spTree>
@@ -24298,7 +24649,7 @@
 </p:sld>
 </file>
 
-<file path=ppt/slides/slide17.xml><?xml version="1.0" encoding="utf-8"?>
+<file path=ppt/slides/slide18.xml><?xml version="1.0" encoding="utf-8"?>
 <p:sld xmlns:a="http://schemas.openxmlformats.org/drawingml/2006/main" xmlns:r="http://schemas.openxmlformats.org/officeDocument/2006/relationships" xmlns:p="http://schemas.openxmlformats.org/presentationml/2006/main">
   <p:cSld>
     <p:spTree>
@@ -24441,7 +24792,7 @@
       </p:sp>
       <p:pic>
         <p:nvPicPr>
-          <p:cNvPr id="2" name="Picture 1">
+          <p:cNvPr id="2" name="Picture 1" descr="QR code that will take you to the link if you use your phone.&#10;&#10;https://frankelavsky.github.io/assessing_chart_interactivity/">
             <a:extLst>
               <a:ext uri="{FF2B5EF4-FFF2-40B4-BE49-F238E27FC236}">
                 <a16:creationId xmlns:a16="http://schemas.microsoft.com/office/drawing/2014/main" id="{1B0C5DFD-D529-65BD-1840-7F6A73D37767}"/>
@@ -24557,7 +24908,7 @@
 </p:sld>
 </file>
 
-<file path=ppt/slides/slide18.xml><?xml version="1.0" encoding="utf-8"?>
+<file path=ppt/slides/slide19.xml><?xml version="1.0" encoding="utf-8"?>
 <p:sld xmlns:a="http://schemas.openxmlformats.org/drawingml/2006/main" xmlns:r="http://schemas.openxmlformats.org/officeDocument/2006/relationships" xmlns:p="http://schemas.openxmlformats.org/presentationml/2006/main">
   <p:cSld>
     <p:spTree>
@@ -24748,12 +25099,12 @@
 </p:sld>
 </file>
 
-<file path=ppt/slides/slide19.xml><?xml version="1.0" encoding="utf-8"?>
+<file path=ppt/slides/slide2.xml><?xml version="1.0" encoding="utf-8"?>
 <p:sld xmlns:a="http://schemas.openxmlformats.org/drawingml/2006/main" xmlns:r="http://schemas.openxmlformats.org/officeDocument/2006/relationships" xmlns:p="http://schemas.openxmlformats.org/presentationml/2006/main">
   <p:cSld>
     <p:spTree>
       <p:nvGrpSpPr>
-        <p:cNvPr id="1" name="Shape 284"/>
+        <p:cNvPr id="1" name="Shape 163"/>
         <p:cNvGrpSpPr/>
         <p:nvPr/>
       </p:nvGrpSpPr>
@@ -24767,7 +25118,7 @@
       </p:grpSpPr>
       <p:sp>
         <p:nvSpPr>
-          <p:cNvPr id="285" name="Google Shape;285;g10104eaf235_1_27"/>
+          <p:cNvPr id="164" name="Google Shape;164;g10104eaf235_0_17"/>
           <p:cNvSpPr txBox="1">
             <a:spLocks noGrp="1"/>
           </p:cNvSpPr>
@@ -24777,8 +25128,8 @@
         </p:nvSpPr>
         <p:spPr>
           <a:xfrm>
-            <a:off x="1206450" y="5486400"/>
-            <a:ext cx="21971100" cy="2088150"/>
+            <a:off x="1206450" y="4568658"/>
+            <a:ext cx="21971100" cy="1433100"/>
           </a:xfrm>
           <a:prstGeom prst="rect">
             <a:avLst/>
@@ -24786,7 +25137,7 @@
         </p:spPr>
         <p:txBody>
           <a:bodyPr spcFirstLastPara="1" wrap="square" lIns="50800" tIns="50800" rIns="50800" bIns="50800" anchor="t" anchorCtr="0">
-            <a:normAutofit fontScale="90000"/>
+            <a:normAutofit/>
           </a:bodyPr>
           <a:lstStyle/>
           <a:p>
@@ -24801,101 +25152,7 @@
             </a:pPr>
             <a:r>
               <a:rPr lang="en-US" dirty="0"/>
-              <a:t>A methods question:</a:t>
-            </a:r>
-            <a:br>
-              <a:rPr lang="en-US" dirty="0"/>
-            </a:br>
-            <a:r>
-              <a:rPr lang="en-US" dirty="0"/>
-              <a:t>How do you know something is inaccessible?</a:t>
-            </a:r>
-            <a:endParaRPr dirty="0"/>
-          </a:p>
-        </p:txBody>
-      </p:sp>
-    </p:spTree>
-  </p:cSld>
-  <p:clrMapOvr>
-    <a:masterClrMapping/>
-  </p:clrMapOvr>
-</p:sld>
-</file>
-
-<file path=ppt/slides/slide2.xml><?xml version="1.0" encoding="utf-8"?>
-<p:sld xmlns:a="http://schemas.openxmlformats.org/drawingml/2006/main" xmlns:r="http://schemas.openxmlformats.org/officeDocument/2006/relationships" xmlns:p="http://schemas.openxmlformats.org/presentationml/2006/main">
-  <p:cSld>
-    <p:spTree>
-      <p:nvGrpSpPr>
-        <p:cNvPr id="1" name="Shape 132"/>
-        <p:cNvGrpSpPr/>
-        <p:nvPr/>
-      </p:nvGrpSpPr>
-      <p:grpSpPr>
-        <a:xfrm>
-          <a:off x="0" y="0"/>
-          <a:ext cx="0" cy="0"/>
-          <a:chOff x="0" y="0"/>
-          <a:chExt cx="0" cy="0"/>
-        </a:xfrm>
-      </p:grpSpPr>
-      <p:sp>
-        <p:nvSpPr>
-          <p:cNvPr id="133" name="Google Shape;133;p6"/>
-          <p:cNvSpPr txBox="1">
-            <a:spLocks noGrp="1"/>
-          </p:cNvSpPr>
-          <p:nvPr>
-            <p:ph type="title"/>
-          </p:nvPr>
-        </p:nvSpPr>
-        <p:spPr>
-          <a:xfrm>
-            <a:off x="1206500" y="1079500"/>
-            <a:ext cx="21971000" cy="1435100"/>
-          </a:xfrm>
-          <a:prstGeom prst="rect">
-            <a:avLst/>
-          </a:prstGeom>
-          <a:noFill/>
-          <a:ln>
-            <a:noFill/>
-          </a:ln>
-        </p:spPr>
-        <p:txBody>
-          <a:bodyPr spcFirstLastPara="1" wrap="square" lIns="50800" tIns="50800" rIns="50800" bIns="50800" anchor="t" anchorCtr="0">
-            <a:normAutofit fontScale="90000"/>
-          </a:bodyPr>
-          <a:lstStyle/>
-          <a:p>
-            <a:pPr marL="0" lvl="0" indent="0" algn="l" rtl="0">
-              <a:lnSpc>
-                <a:spcPct val="80000"/>
-              </a:lnSpc>
-              <a:spcBef>
-                <a:spcPts val="0"/>
-              </a:spcBef>
-              <a:spcAft>
-                <a:spcPts val="0"/>
-              </a:spcAft>
-              <a:buClr>
-                <a:srgbClr val="000000"/>
-              </a:buClr>
-              <a:buSzPts val="8500"/>
-              <a:buFont typeface="Helvetica Neue"/>
-              <a:buNone/>
-            </a:pPr>
-            <a:r>
-              <a:rPr lang="en-US" sz="8500" b="0" i="0" u="none" strike="noStrike" cap="none" dirty="0">
-                <a:solidFill>
-                  <a:srgbClr val="000000"/>
-                </a:solidFill>
-                <a:latin typeface="Helvetica Neue"/>
-                <a:ea typeface="Helvetica Neue"/>
-                <a:cs typeface="Helvetica Neue"/>
-                <a:sym typeface="Helvetica Neue"/>
-              </a:rPr>
-              <a:t>Who am I? A data visualization + accessibility researcher and engineer</a:t>
+              <a:t>Today’s slides:</a:t>
             </a:r>
             <a:endParaRPr dirty="0"/>
           </a:p>
@@ -24903,7 +25160,7 @@
       </p:sp>
       <p:sp>
         <p:nvSpPr>
-          <p:cNvPr id="135" name="Google Shape;135;p6"/>
+          <p:cNvPr id="166" name="Google Shape;166;g10104eaf235_0_17"/>
           <p:cNvSpPr txBox="1">
             <a:spLocks noGrp="1"/>
           </p:cNvSpPr>
@@ -24913,16 +25170,12 @@
         </p:nvSpPr>
         <p:spPr>
           <a:xfrm>
-            <a:off x="1206500" y="4475747"/>
-            <a:ext cx="21971000" cy="8605252"/>
+            <a:off x="1206450" y="6197620"/>
+            <a:ext cx="21971100" cy="8256000"/>
           </a:xfrm>
           <a:prstGeom prst="rect">
             <a:avLst/>
           </a:prstGeom>
-          <a:noFill/>
-          <a:ln>
-            <a:noFill/>
-          </a:ln>
         </p:spPr>
         <p:txBody>
           <a:bodyPr spcFirstLastPara="1" wrap="square" lIns="50800" tIns="50800" rIns="50800" bIns="50800" anchor="t" anchorCtr="0">
@@ -24930,202 +25183,59 @@
           </a:bodyPr>
           <a:lstStyle/>
           <a:p>
-            <a:pPr marL="685800" lvl="0" indent="-685800">
-              <a:spcBef>
-                <a:spcPts val="0"/>
-              </a:spcBef>
-              <a:spcAft>
-                <a:spcPts val="1200"/>
-              </a:spcAft>
-              <a:buFont typeface="Arial" panose="020B0604020202020204" pitchFamily="34" charset="0"/>
-              <a:buChar char="•"/>
-            </a:pPr>
+            <a:pPr marL="0" lvl="0" indent="0"/>
             <a:r>
-              <a:rPr lang="en-US" b="1" dirty="0"/>
-              <a:t>Research</a:t>
+              <a:rPr lang="en-US" sz="8800" dirty="0" err="1">
+                <a:hlinkClick r:id="rId3"/>
+              </a:rPr>
+              <a:t>bit.ly</a:t>
             </a:r>
             <a:r>
-              <a:rPr lang="en-US" dirty="0"/>
-              <a:t>: </a:t>
-            </a:r>
-            <a:r>
-              <a:rPr lang="en-US" dirty="0">
+              <a:rPr lang="en-US" sz="8800" dirty="0">
                 <a:hlinkClick r:id="rId3"/>
               </a:rPr>
-              <a:t>Carnegie Mellon</a:t>
+              <a:t>/viz_a11y_uc</a:t>
             </a:r>
-            <a:r>
-              <a:rPr lang="en-US" dirty="0"/>
-              <a:t> and </a:t>
-            </a:r>
-            <a:r>
-              <a:rPr lang="en-US" dirty="0">
-                <a:hlinkClick r:id="rId4"/>
-              </a:rPr>
-              <a:t>Apple</a:t>
-            </a:r>
-            <a:r>
-              <a:rPr lang="en-US" dirty="0"/>
-              <a:t>.</a:t>
-            </a:r>
-          </a:p>
-          <a:p>
-            <a:pPr marL="685800" lvl="0" indent="-685800">
-              <a:spcBef>
-                <a:spcPts val="0"/>
-              </a:spcBef>
-              <a:spcAft>
-                <a:spcPts val="1200"/>
-              </a:spcAft>
-              <a:buFont typeface="Arial" panose="020B0604020202020204" pitchFamily="34" charset="0"/>
-              <a:buChar char="•"/>
-            </a:pPr>
-            <a:r>
-              <a:rPr lang="en-US" b="1" dirty="0"/>
-              <a:t>Organize</a:t>
-            </a:r>
-            <a:r>
-              <a:rPr lang="en-US" dirty="0"/>
-              <a:t>: </a:t>
-            </a:r>
-            <a:r>
-              <a:rPr lang="en-US" dirty="0">
-                <a:hlinkClick r:id="rId5"/>
-              </a:rPr>
-              <a:t>DataVizA11y</a:t>
-            </a:r>
-            <a:r>
-              <a:rPr lang="en-US" dirty="0"/>
-              <a:t>.</a:t>
-            </a:r>
-          </a:p>
-          <a:p>
-            <a:pPr marL="685800" lvl="0" indent="-685800">
-              <a:spcBef>
-                <a:spcPts val="0"/>
-              </a:spcBef>
-              <a:spcAft>
-                <a:spcPts val="1200"/>
-              </a:spcAft>
-              <a:buFont typeface="Arial" panose="020B0604020202020204" pitchFamily="34" charset="0"/>
-              <a:buChar char="•"/>
-            </a:pPr>
-            <a:r>
-              <a:rPr lang="en-US" b="1" dirty="0"/>
-              <a:t>Contribute</a:t>
-            </a:r>
-            <a:r>
-              <a:rPr lang="en-US" dirty="0"/>
-              <a:t>: </a:t>
-            </a:r>
-            <a:r>
-              <a:rPr lang="en-US" dirty="0">
-                <a:hlinkClick r:id="rId6"/>
-              </a:rPr>
-              <a:t>W3C’s ARIA Working Group</a:t>
-            </a:r>
-            <a:r>
-              <a:rPr lang="en-US" dirty="0"/>
-              <a:t> as an invited expert.</a:t>
-            </a:r>
-          </a:p>
-          <a:p>
-            <a:pPr marL="685800" lvl="0" indent="-685800">
-              <a:spcBef>
-                <a:spcPts val="0"/>
-              </a:spcBef>
-              <a:spcAft>
-                <a:spcPts val="1200"/>
-              </a:spcAft>
-              <a:buFont typeface="Arial" panose="020B0604020202020204" pitchFamily="34" charset="0"/>
-              <a:buChar char="•"/>
-            </a:pPr>
-            <a:r>
-              <a:rPr lang="en-US" b="1" dirty="0"/>
-              <a:t>Create</a:t>
-            </a:r>
-            <a:r>
-              <a:rPr lang="en-US" dirty="0"/>
-              <a:t>: Tools for </a:t>
-            </a:r>
-            <a:r>
-              <a:rPr lang="en-US" dirty="0">
-                <a:hlinkClick r:id="rId7"/>
-              </a:rPr>
-              <a:t>designers</a:t>
-            </a:r>
-            <a:r>
-              <a:rPr lang="en-US" dirty="0"/>
-              <a:t> and </a:t>
-            </a:r>
-            <a:r>
-              <a:rPr lang="en-US" dirty="0">
-                <a:hlinkClick r:id="rId8"/>
-              </a:rPr>
-              <a:t>engineers</a:t>
-            </a:r>
-            <a:r>
-              <a:rPr lang="en-US" dirty="0"/>
-              <a:t> who want to make accessible visualizations.</a:t>
-            </a:r>
+            <a:endParaRPr sz="8800" dirty="0"/>
           </a:p>
         </p:txBody>
       </p:sp>
-      <p:sp>
-        <p:nvSpPr>
-          <p:cNvPr id="136" name="Google Shape;136;p6"/>
-          <p:cNvSpPr txBox="1">
-            <a:spLocks noGrp="1"/>
-          </p:cNvSpPr>
-          <p:nvPr>
-            <p:ph type="sldNum" idx="12"/>
-          </p:nvPr>
-        </p:nvSpPr>
+      <p:pic>
+        <p:nvPicPr>
+          <p:cNvPr id="2" name="Picture 1" descr="QR code that will take you to the link if you use your phone.&#10;&#10;bit.ly/viz_a11y_uc">
+            <a:extLst>
+              <a:ext uri="{FF2B5EF4-FFF2-40B4-BE49-F238E27FC236}">
+                <a16:creationId xmlns:a16="http://schemas.microsoft.com/office/drawing/2014/main" id="{06265F58-C755-3C14-72AC-64F1A2A78F2F}"/>
+              </a:ext>
+            </a:extLst>
+          </p:cNvPr>
+          <p:cNvPicPr>
+            <a:picLocks noChangeAspect="1"/>
+          </p:cNvPicPr>
+          <p:nvPr/>
+        </p:nvPicPr>
+        <p:blipFill>
+          <a:blip r:embed="rId4"/>
+          <a:stretch>
+            <a:fillRect/>
+          </a:stretch>
+        </p:blipFill>
         <p:spPr>
           <a:xfrm>
-            <a:off x="23558552" y="13080999"/>
-            <a:ext cx="241403" cy="374600"/>
+            <a:off x="11143246" y="1058779"/>
+            <a:ext cx="12441651" cy="12441651"/>
           </a:xfrm>
           <a:prstGeom prst="rect">
             <a:avLst/>
           </a:prstGeom>
-          <a:noFill/>
-          <a:ln>
-            <a:noFill/>
-          </a:ln>
         </p:spPr>
-        <p:txBody>
-          <a:bodyPr spcFirstLastPara="1" wrap="square" lIns="50800" tIns="50800" rIns="50800" bIns="50800" anchor="b" anchorCtr="0">
-            <a:spAutoFit/>
-          </a:bodyPr>
-          <a:lstStyle/>
-          <a:p>
-            <a:pPr marL="0" lvl="0" indent="0" algn="ctr" rtl="0">
-              <a:lnSpc>
-                <a:spcPct val="100000"/>
-              </a:lnSpc>
-              <a:spcBef>
-                <a:spcPts val="0"/>
-              </a:spcBef>
-              <a:spcAft>
-                <a:spcPts val="0"/>
-              </a:spcAft>
-              <a:buClr>
-                <a:srgbClr val="5E5E5E"/>
-              </a:buClr>
-              <a:buSzPts val="1800"/>
-              <a:buFont typeface="Helvetica Neue"/>
-              <a:buNone/>
-            </a:pPr>
-            <a:fld id="{00000000-1234-1234-1234-123412341234}" type="slidenum">
-              <a:rPr lang="en-US" sz="1800"/>
-              <a:t>2</a:t>
-            </a:fld>
-            <a:endParaRPr/>
-          </a:p>
-        </p:txBody>
-      </p:sp>
+      </p:pic>
     </p:spTree>
+    <p:extLst>
+      <p:ext uri="{BB962C8B-B14F-4D97-AF65-F5344CB8AC3E}">
+        <p14:creationId xmlns:p14="http://schemas.microsoft.com/office/powerpoint/2010/main" val="2797531005"/>
+      </p:ext>
+    </p:extLst>
   </p:cSld>
   <p:clrMapOvr>
     <a:masterClrMapping/>
@@ -25162,6 +25272,80 @@
         </p:nvSpPr>
         <p:spPr>
           <a:xfrm>
+            <a:off x="1206450" y="5486400"/>
+            <a:ext cx="21971100" cy="2088150"/>
+          </a:xfrm>
+          <a:prstGeom prst="rect">
+            <a:avLst/>
+          </a:prstGeom>
+        </p:spPr>
+        <p:txBody>
+          <a:bodyPr spcFirstLastPara="1" wrap="square" lIns="50800" tIns="50800" rIns="50800" bIns="50800" anchor="t" anchorCtr="0">
+            <a:normAutofit fontScale="90000"/>
+          </a:bodyPr>
+          <a:lstStyle/>
+          <a:p>
+            <a:pPr marL="0" lvl="0" indent="0" algn="l" rtl="0">
+              <a:spcBef>
+                <a:spcPts val="0"/>
+              </a:spcBef>
+              <a:spcAft>
+                <a:spcPts val="0"/>
+              </a:spcAft>
+              <a:buNone/>
+            </a:pPr>
+            <a:r>
+              <a:rPr lang="en-US" dirty="0"/>
+              <a:t>A methods question:</a:t>
+            </a:r>
+            <a:br>
+              <a:rPr lang="en-US" dirty="0"/>
+            </a:br>
+            <a:r>
+              <a:rPr lang="en-US" dirty="0"/>
+              <a:t>How do you know something is inaccessible?</a:t>
+            </a:r>
+            <a:endParaRPr dirty="0"/>
+          </a:p>
+        </p:txBody>
+      </p:sp>
+    </p:spTree>
+  </p:cSld>
+  <p:clrMapOvr>
+    <a:masterClrMapping/>
+  </p:clrMapOvr>
+</p:sld>
+</file>
+
+<file path=ppt/slides/slide21.xml><?xml version="1.0" encoding="utf-8"?>
+<p:sld xmlns:a="http://schemas.openxmlformats.org/drawingml/2006/main" xmlns:r="http://schemas.openxmlformats.org/officeDocument/2006/relationships" xmlns:p="http://schemas.openxmlformats.org/presentationml/2006/main">
+  <p:cSld>
+    <p:spTree>
+      <p:nvGrpSpPr>
+        <p:cNvPr id="1" name="Shape 284"/>
+        <p:cNvGrpSpPr/>
+        <p:nvPr/>
+      </p:nvGrpSpPr>
+      <p:grpSpPr>
+        <a:xfrm>
+          <a:off x="0" y="0"/>
+          <a:ext cx="0" cy="0"/>
+          <a:chOff x="0" y="0"/>
+          <a:chExt cx="0" cy="0"/>
+        </a:xfrm>
+      </p:grpSpPr>
+      <p:sp>
+        <p:nvSpPr>
+          <p:cNvPr id="285" name="Google Shape;285;g10104eaf235_1_27"/>
+          <p:cNvSpPr txBox="1">
+            <a:spLocks noGrp="1"/>
+          </p:cNvSpPr>
+          <p:nvPr>
+            <p:ph type="title"/>
+          </p:nvPr>
+        </p:nvSpPr>
+        <p:spPr>
+          <a:xfrm>
             <a:off x="1206450" y="6141450"/>
             <a:ext cx="21971100" cy="1433100"/>
           </a:xfrm>
@@ -25205,7 +25389,7 @@
 </p:sld>
 </file>
 
-<file path=ppt/slides/slide21.xml><?xml version="1.0" encoding="utf-8"?>
+<file path=ppt/slides/slide22.xml><?xml version="1.0" encoding="utf-8"?>
 <p:sld xmlns:a="http://schemas.openxmlformats.org/drawingml/2006/main" xmlns:r="http://schemas.openxmlformats.org/officeDocument/2006/relationships" xmlns:p="http://schemas.openxmlformats.org/presentationml/2006/main">
   <p:cSld>
     <p:spTree>
@@ -25386,7 +25570,7 @@
 </p:sld>
 </file>
 
-<file path=ppt/slides/slide22.xml><?xml version="1.0" encoding="utf-8"?>
+<file path=ppt/slides/slide23.xml><?xml version="1.0" encoding="utf-8"?>
 <p:sld xmlns:a="http://schemas.openxmlformats.org/drawingml/2006/main" xmlns:r="http://schemas.openxmlformats.org/officeDocument/2006/relationships" xmlns:p="http://schemas.openxmlformats.org/presentationml/2006/main">
   <p:cSld>
     <p:spTree>
@@ -25502,7 +25686,7 @@
               <a:rPr lang="en-US" sz="5500" dirty="0">
                 <a:hlinkClick r:id="rId3"/>
               </a:rPr>
-              <a:t>bit.ly/viz_a11y_UC_poll</a:t>
+              <a:t>bit.ly/viz_a11y_uc_poll</a:t>
             </a:r>
             <a:endParaRPr lang="en-US" sz="5500" dirty="0"/>
           </a:p>
@@ -25603,7 +25787,7 @@
 </p:sld>
 </file>
 
-<file path=ppt/slides/slide23.xml><?xml version="1.0" encoding="utf-8"?>
+<file path=ppt/slides/slide24.xml><?xml version="1.0" encoding="utf-8"?>
 <p:sld xmlns:a="http://schemas.openxmlformats.org/drawingml/2006/main" xmlns:r="http://schemas.openxmlformats.org/officeDocument/2006/relationships" xmlns:p="http://schemas.openxmlformats.org/presentationml/2006/main">
   <p:cSld>
     <p:spTree>
@@ -25712,7 +25896,7 @@
 </p:sld>
 </file>
 
-<file path=ppt/slides/slide24.xml><?xml version="1.0" encoding="utf-8"?>
+<file path=ppt/slides/slide25.xml><?xml version="1.0" encoding="utf-8"?>
 <p:sld xmlns:a="http://schemas.openxmlformats.org/drawingml/2006/main" xmlns:r="http://schemas.openxmlformats.org/officeDocument/2006/relationships" xmlns:p="http://schemas.openxmlformats.org/presentationml/2006/main">
   <p:cSld>
     <p:spTree>
@@ -25856,7 +26040,7 @@
 </p:sld>
 </file>
 
-<file path=ppt/slides/slide25.xml><?xml version="1.0" encoding="utf-8"?>
+<file path=ppt/slides/slide26.xml><?xml version="1.0" encoding="utf-8"?>
 <p:sld xmlns:a="http://schemas.openxmlformats.org/drawingml/2006/main" xmlns:r="http://schemas.openxmlformats.org/officeDocument/2006/relationships" xmlns:p="http://schemas.openxmlformats.org/presentationml/2006/main">
   <p:cSld>
     <p:spTree>
@@ -27350,7 +27534,7 @@
 </p:sld>
 </file>
 
-<file path=ppt/slides/slide26.xml><?xml version="1.0" encoding="utf-8"?>
+<file path=ppt/slides/slide27.xml><?xml version="1.0" encoding="utf-8"?>
 <p:sld xmlns:a="http://schemas.openxmlformats.org/drawingml/2006/main" xmlns:r="http://schemas.openxmlformats.org/officeDocument/2006/relationships" xmlns:p="http://schemas.openxmlformats.org/presentationml/2006/main">
   <p:cSld>
     <p:spTree>
@@ -27527,7 +27711,7 @@
 </p:sld>
 </file>
 
-<file path=ppt/slides/slide27.xml><?xml version="1.0" encoding="utf-8"?>
+<file path=ppt/slides/slide28.xml><?xml version="1.0" encoding="utf-8"?>
 <p:sld xmlns:a="http://schemas.openxmlformats.org/drawingml/2006/main" xmlns:r="http://schemas.openxmlformats.org/officeDocument/2006/relationships" xmlns:p="http://schemas.openxmlformats.org/presentationml/2006/main">
   <p:cSld>
     <p:spTree>
@@ -27672,7 +27856,7 @@
 </p:sld>
 </file>
 
-<file path=ppt/slides/slide28.xml><?xml version="1.0" encoding="utf-8"?>
+<file path=ppt/slides/slide29.xml><?xml version="1.0" encoding="utf-8"?>
 <p:sld xmlns:a="http://schemas.openxmlformats.org/drawingml/2006/main" xmlns:r="http://schemas.openxmlformats.org/officeDocument/2006/relationships" xmlns:p="http://schemas.openxmlformats.org/presentationml/2006/main">
   <p:cSld>
     <p:spTree>
@@ -27846,7 +28030,318 @@
 </p:sld>
 </file>
 
-<file path=ppt/slides/slide29.xml><?xml version="1.0" encoding="utf-8"?>
+<file path=ppt/slides/slide3.xml><?xml version="1.0" encoding="utf-8"?>
+<p:sld xmlns:a="http://schemas.openxmlformats.org/drawingml/2006/main" xmlns:r="http://schemas.openxmlformats.org/officeDocument/2006/relationships" xmlns:p="http://schemas.openxmlformats.org/presentationml/2006/main">
+  <p:cSld>
+    <p:spTree>
+      <p:nvGrpSpPr>
+        <p:cNvPr id="1" name="Shape 132"/>
+        <p:cNvGrpSpPr/>
+        <p:nvPr/>
+      </p:nvGrpSpPr>
+      <p:grpSpPr>
+        <a:xfrm>
+          <a:off x="0" y="0"/>
+          <a:ext cx="0" cy="0"/>
+          <a:chOff x="0" y="0"/>
+          <a:chExt cx="0" cy="0"/>
+        </a:xfrm>
+      </p:grpSpPr>
+      <p:sp>
+        <p:nvSpPr>
+          <p:cNvPr id="133" name="Google Shape;133;p6"/>
+          <p:cNvSpPr txBox="1">
+            <a:spLocks noGrp="1"/>
+          </p:cNvSpPr>
+          <p:nvPr>
+            <p:ph type="title"/>
+          </p:nvPr>
+        </p:nvSpPr>
+        <p:spPr>
+          <a:xfrm>
+            <a:off x="1206500" y="1079500"/>
+            <a:ext cx="21971000" cy="1435100"/>
+          </a:xfrm>
+          <a:prstGeom prst="rect">
+            <a:avLst/>
+          </a:prstGeom>
+          <a:noFill/>
+          <a:ln>
+            <a:noFill/>
+          </a:ln>
+        </p:spPr>
+        <p:txBody>
+          <a:bodyPr spcFirstLastPara="1" wrap="square" lIns="50800" tIns="50800" rIns="50800" bIns="50800" anchor="t" anchorCtr="0">
+            <a:normAutofit fontScale="90000"/>
+          </a:bodyPr>
+          <a:lstStyle/>
+          <a:p>
+            <a:pPr marL="0" lvl="0" indent="0" algn="l" rtl="0">
+              <a:lnSpc>
+                <a:spcPct val="80000"/>
+              </a:lnSpc>
+              <a:spcBef>
+                <a:spcPts val="0"/>
+              </a:spcBef>
+              <a:spcAft>
+                <a:spcPts val="0"/>
+              </a:spcAft>
+              <a:buClr>
+                <a:srgbClr val="000000"/>
+              </a:buClr>
+              <a:buSzPts val="8500"/>
+              <a:buFont typeface="Helvetica Neue"/>
+              <a:buNone/>
+            </a:pPr>
+            <a:r>
+              <a:rPr lang="en-US" sz="8500" b="0" i="0" u="none" strike="noStrike" cap="none" dirty="0">
+                <a:solidFill>
+                  <a:srgbClr val="000000"/>
+                </a:solidFill>
+                <a:latin typeface="Helvetica Neue"/>
+                <a:ea typeface="Helvetica Neue"/>
+                <a:cs typeface="Helvetica Neue"/>
+                <a:sym typeface="Helvetica Neue"/>
+              </a:rPr>
+              <a:t>Who am I? A data visualization + accessibility researcher and engineer</a:t>
+            </a:r>
+            <a:endParaRPr dirty="0"/>
+          </a:p>
+        </p:txBody>
+      </p:sp>
+      <p:sp>
+        <p:nvSpPr>
+          <p:cNvPr id="135" name="Google Shape;135;p6"/>
+          <p:cNvSpPr txBox="1">
+            <a:spLocks noGrp="1"/>
+          </p:cNvSpPr>
+          <p:nvPr>
+            <p:ph type="body" idx="2"/>
+          </p:nvPr>
+        </p:nvSpPr>
+        <p:spPr>
+          <a:xfrm>
+            <a:off x="1206500" y="4475747"/>
+            <a:ext cx="21971000" cy="8605252"/>
+          </a:xfrm>
+          <a:prstGeom prst="rect">
+            <a:avLst/>
+          </a:prstGeom>
+          <a:noFill/>
+          <a:ln>
+            <a:noFill/>
+          </a:ln>
+        </p:spPr>
+        <p:txBody>
+          <a:bodyPr spcFirstLastPara="1" wrap="square" lIns="50800" tIns="50800" rIns="50800" bIns="50800" anchor="t" anchorCtr="0">
+            <a:normAutofit/>
+          </a:bodyPr>
+          <a:lstStyle/>
+          <a:p>
+            <a:pPr marL="685800" lvl="0" indent="-685800">
+              <a:spcBef>
+                <a:spcPts val="0"/>
+              </a:spcBef>
+              <a:spcAft>
+                <a:spcPts val="1200"/>
+              </a:spcAft>
+              <a:buFont typeface="Arial" panose="020B0604020202020204" pitchFamily="34" charset="0"/>
+              <a:buChar char="•"/>
+            </a:pPr>
+            <a:r>
+              <a:rPr lang="en-US" b="1" dirty="0"/>
+              <a:t>Research</a:t>
+            </a:r>
+            <a:r>
+              <a:rPr lang="en-US" dirty="0"/>
+              <a:t>: </a:t>
+            </a:r>
+            <a:r>
+              <a:rPr lang="en-US" dirty="0">
+                <a:hlinkClick r:id="rId3"/>
+              </a:rPr>
+              <a:t>Carnegie Mellon</a:t>
+            </a:r>
+            <a:r>
+              <a:rPr lang="en-US" dirty="0"/>
+              <a:t> and </a:t>
+            </a:r>
+            <a:r>
+              <a:rPr lang="en-US" dirty="0">
+                <a:hlinkClick r:id="rId4"/>
+              </a:rPr>
+              <a:t>Apple</a:t>
+            </a:r>
+            <a:r>
+              <a:rPr lang="en-US" dirty="0"/>
+              <a:t>.</a:t>
+            </a:r>
+          </a:p>
+          <a:p>
+            <a:pPr marL="685800" lvl="0" indent="-685800">
+              <a:spcBef>
+                <a:spcPts val="0"/>
+              </a:spcBef>
+              <a:spcAft>
+                <a:spcPts val="1200"/>
+              </a:spcAft>
+              <a:buFont typeface="Arial" panose="020B0604020202020204" pitchFamily="34" charset="0"/>
+              <a:buChar char="•"/>
+            </a:pPr>
+            <a:r>
+              <a:rPr lang="en-US" b="1" dirty="0"/>
+              <a:t>Organize</a:t>
+            </a:r>
+            <a:r>
+              <a:rPr lang="en-US" dirty="0"/>
+              <a:t>: </a:t>
+            </a:r>
+            <a:r>
+              <a:rPr lang="en-US" dirty="0">
+                <a:hlinkClick r:id="rId5"/>
+              </a:rPr>
+              <a:t>DataVizA11y</a:t>
+            </a:r>
+            <a:r>
+              <a:rPr lang="en-US" dirty="0"/>
+              <a:t>.</a:t>
+            </a:r>
+          </a:p>
+          <a:p>
+            <a:pPr marL="685800" lvl="0" indent="-685800">
+              <a:spcBef>
+                <a:spcPts val="0"/>
+              </a:spcBef>
+              <a:spcAft>
+                <a:spcPts val="1200"/>
+              </a:spcAft>
+              <a:buFont typeface="Arial" panose="020B0604020202020204" pitchFamily="34" charset="0"/>
+              <a:buChar char="•"/>
+            </a:pPr>
+            <a:r>
+              <a:rPr lang="en-US" b="1" dirty="0"/>
+              <a:t>Contribute</a:t>
+            </a:r>
+            <a:r>
+              <a:rPr lang="en-US" dirty="0"/>
+              <a:t>: </a:t>
+            </a:r>
+            <a:r>
+              <a:rPr lang="en-US" dirty="0">
+                <a:hlinkClick r:id="rId6"/>
+              </a:rPr>
+              <a:t>W3C’s ARIA Working Group</a:t>
+            </a:r>
+            <a:r>
+              <a:rPr lang="en-US" dirty="0"/>
+              <a:t> as an invited expert.</a:t>
+            </a:r>
+          </a:p>
+          <a:p>
+            <a:pPr marL="685800" lvl="0" indent="-685800">
+              <a:spcBef>
+                <a:spcPts val="0"/>
+              </a:spcBef>
+              <a:spcAft>
+                <a:spcPts val="1200"/>
+              </a:spcAft>
+              <a:buFont typeface="Arial" panose="020B0604020202020204" pitchFamily="34" charset="0"/>
+              <a:buChar char="•"/>
+            </a:pPr>
+            <a:r>
+              <a:rPr lang="en-US" b="1" dirty="0"/>
+              <a:t>Create</a:t>
+            </a:r>
+            <a:r>
+              <a:rPr lang="en-US" dirty="0"/>
+              <a:t>: Tools for </a:t>
+            </a:r>
+            <a:r>
+              <a:rPr lang="en-US" dirty="0">
+                <a:hlinkClick r:id="rId7"/>
+              </a:rPr>
+              <a:t>designers</a:t>
+            </a:r>
+            <a:r>
+              <a:rPr lang="en-US" dirty="0"/>
+              <a:t> and </a:t>
+            </a:r>
+            <a:r>
+              <a:rPr lang="en-US" dirty="0">
+                <a:hlinkClick r:id="rId8"/>
+              </a:rPr>
+              <a:t>engineers</a:t>
+            </a:r>
+            <a:r>
+              <a:rPr lang="en-US" dirty="0"/>
+              <a:t> who want to make accessible visualizations.</a:t>
+            </a:r>
+          </a:p>
+        </p:txBody>
+      </p:sp>
+      <p:sp>
+        <p:nvSpPr>
+          <p:cNvPr id="136" name="Google Shape;136;p6"/>
+          <p:cNvSpPr txBox="1">
+            <a:spLocks noGrp="1"/>
+          </p:cNvSpPr>
+          <p:nvPr>
+            <p:ph type="sldNum" idx="12"/>
+          </p:nvPr>
+        </p:nvSpPr>
+        <p:spPr>
+          <a:xfrm>
+            <a:off x="23558552" y="13080999"/>
+            <a:ext cx="241403" cy="374600"/>
+          </a:xfrm>
+          <a:prstGeom prst="rect">
+            <a:avLst/>
+          </a:prstGeom>
+          <a:noFill/>
+          <a:ln>
+            <a:noFill/>
+          </a:ln>
+        </p:spPr>
+        <p:txBody>
+          <a:bodyPr spcFirstLastPara="1" wrap="square" lIns="50800" tIns="50800" rIns="50800" bIns="50800" anchor="b" anchorCtr="0">
+            <a:spAutoFit/>
+          </a:bodyPr>
+          <a:lstStyle/>
+          <a:p>
+            <a:pPr marL="0" lvl="0" indent="0" algn="ctr" rtl="0">
+              <a:lnSpc>
+                <a:spcPct val="100000"/>
+              </a:lnSpc>
+              <a:spcBef>
+                <a:spcPts val="0"/>
+              </a:spcBef>
+              <a:spcAft>
+                <a:spcPts val="0"/>
+              </a:spcAft>
+              <a:buClr>
+                <a:srgbClr val="5E5E5E"/>
+              </a:buClr>
+              <a:buSzPts val="1800"/>
+              <a:buFont typeface="Helvetica Neue"/>
+              <a:buNone/>
+            </a:pPr>
+            <a:fld id="{00000000-1234-1234-1234-123412341234}" type="slidenum">
+              <a:rPr lang="en-US" sz="1800"/>
+              <a:t>3</a:t>
+            </a:fld>
+            <a:endParaRPr/>
+          </a:p>
+        </p:txBody>
+      </p:sp>
+    </p:spTree>
+  </p:cSld>
+  <p:clrMapOvr>
+    <a:masterClrMapping/>
+  </p:clrMapOvr>
+</p:sld>
+</file>
+
+<file path=ppt/slides/slide30.xml><?xml version="1.0" encoding="utf-8"?>
 <p:sld xmlns:a="http://schemas.openxmlformats.org/drawingml/2006/main" xmlns:r="http://schemas.openxmlformats.org/officeDocument/2006/relationships" xmlns:p="http://schemas.openxmlformats.org/presentationml/2006/main">
   <p:cSld>
     <p:spTree>
@@ -28046,243 +28541,7 @@
 </p:sld>
 </file>
 
-<file path=ppt/slides/slide3.xml><?xml version="1.0" encoding="utf-8"?>
-<p:sld xmlns:a="http://schemas.openxmlformats.org/drawingml/2006/main" xmlns:r="http://schemas.openxmlformats.org/officeDocument/2006/relationships" xmlns:p="http://schemas.openxmlformats.org/presentationml/2006/main">
-  <p:cSld>
-    <p:spTree>
-      <p:nvGrpSpPr>
-        <p:cNvPr id="1" name="Shape 132"/>
-        <p:cNvGrpSpPr/>
-        <p:nvPr/>
-      </p:nvGrpSpPr>
-      <p:grpSpPr>
-        <a:xfrm>
-          <a:off x="0" y="0"/>
-          <a:ext cx="0" cy="0"/>
-          <a:chOff x="0" y="0"/>
-          <a:chExt cx="0" cy="0"/>
-        </a:xfrm>
-      </p:grpSpPr>
-      <p:sp>
-        <p:nvSpPr>
-          <p:cNvPr id="133" name="Google Shape;133;p6"/>
-          <p:cNvSpPr txBox="1">
-            <a:spLocks noGrp="1"/>
-          </p:cNvSpPr>
-          <p:nvPr>
-            <p:ph type="title"/>
-          </p:nvPr>
-        </p:nvSpPr>
-        <p:spPr>
-          <a:xfrm>
-            <a:off x="1206500" y="4424279"/>
-            <a:ext cx="21971000" cy="1869593"/>
-          </a:xfrm>
-          <a:prstGeom prst="rect">
-            <a:avLst/>
-          </a:prstGeom>
-          <a:noFill/>
-          <a:ln>
-            <a:noFill/>
-          </a:ln>
-        </p:spPr>
-        <p:txBody>
-          <a:bodyPr spcFirstLastPara="1" wrap="square" lIns="50800" tIns="50800" rIns="50800" bIns="50800" anchor="t" anchorCtr="0">
-            <a:normAutofit/>
-          </a:bodyPr>
-          <a:lstStyle/>
-          <a:p>
-            <a:pPr marL="0" lvl="0" indent="0" algn="l" rtl="0">
-              <a:lnSpc>
-                <a:spcPct val="80000"/>
-              </a:lnSpc>
-              <a:spcBef>
-                <a:spcPts val="0"/>
-              </a:spcBef>
-              <a:spcAft>
-                <a:spcPts val="0"/>
-              </a:spcAft>
-              <a:buClr>
-                <a:srgbClr val="000000"/>
-              </a:buClr>
-              <a:buSzPts val="8500"/>
-              <a:buFont typeface="Helvetica Neue"/>
-              <a:buNone/>
-            </a:pPr>
-            <a:r>
-              <a:rPr lang="en-US" sz="8500" b="0" i="0" u="none" strike="noStrike" cap="none" dirty="0">
-                <a:solidFill>
-                  <a:srgbClr val="000000"/>
-                </a:solidFill>
-                <a:latin typeface="Helvetica Neue"/>
-                <a:ea typeface="Helvetica Neue"/>
-                <a:cs typeface="Helvetica Neue"/>
-                <a:sym typeface="Helvetica Neue"/>
-              </a:rPr>
-              <a:t>What you will learn today</a:t>
-            </a:r>
-            <a:endParaRPr dirty="0"/>
-          </a:p>
-        </p:txBody>
-      </p:sp>
-      <p:sp>
-        <p:nvSpPr>
-          <p:cNvPr id="135" name="Google Shape;135;p6"/>
-          <p:cNvSpPr txBox="1">
-            <a:spLocks noGrp="1"/>
-          </p:cNvSpPr>
-          <p:nvPr>
-            <p:ph type="body" idx="2"/>
-          </p:nvPr>
-        </p:nvSpPr>
-        <p:spPr>
-          <a:xfrm>
-            <a:off x="1206500" y="6293872"/>
-            <a:ext cx="21971000" cy="2898254"/>
-          </a:xfrm>
-          <a:prstGeom prst="rect">
-            <a:avLst/>
-          </a:prstGeom>
-          <a:noFill/>
-          <a:ln>
-            <a:noFill/>
-          </a:ln>
-        </p:spPr>
-        <p:txBody>
-          <a:bodyPr spcFirstLastPara="1" wrap="square" lIns="50800" tIns="50800" rIns="50800" bIns="50800" anchor="t" anchorCtr="0">
-            <a:normAutofit/>
-          </a:bodyPr>
-          <a:lstStyle/>
-          <a:p>
-            <a:pPr marL="457200" lvl="0" indent="-577850" algn="l" rtl="0">
-              <a:lnSpc>
-                <a:spcPct val="100000"/>
-              </a:lnSpc>
-              <a:spcBef>
-                <a:spcPts val="0"/>
-              </a:spcBef>
-              <a:spcAft>
-                <a:spcPts val="0"/>
-              </a:spcAft>
-              <a:buSzPts val="5500"/>
-              <a:buAutoNum type="arabicPeriod"/>
-            </a:pPr>
-            <a:r>
-              <a:rPr lang="en-US" dirty="0"/>
-              <a:t> What is accessibility?</a:t>
-            </a:r>
-            <a:endParaRPr dirty="0"/>
-          </a:p>
-          <a:p>
-            <a:pPr marL="457200" lvl="0" indent="-577850" algn="l" rtl="0">
-              <a:lnSpc>
-                <a:spcPct val="100000"/>
-              </a:lnSpc>
-              <a:spcBef>
-                <a:spcPts val="0"/>
-              </a:spcBef>
-              <a:spcAft>
-                <a:spcPts val="0"/>
-              </a:spcAft>
-              <a:buSzPts val="5500"/>
-              <a:buAutoNum type="arabicPeriod"/>
-            </a:pPr>
-            <a:r>
-              <a:rPr lang="en-US" dirty="0"/>
-              <a:t> How do you know a visualization is inaccessible? </a:t>
-            </a:r>
-            <a:endParaRPr dirty="0"/>
-          </a:p>
-          <a:p>
-            <a:pPr marL="457200" lvl="0" indent="-577850" algn="l" rtl="0">
-              <a:lnSpc>
-                <a:spcPct val="100000"/>
-              </a:lnSpc>
-              <a:spcBef>
-                <a:spcPts val="0"/>
-              </a:spcBef>
-              <a:spcAft>
-                <a:spcPts val="0"/>
-              </a:spcAft>
-              <a:buSzPts val="5500"/>
-              <a:buAutoNum type="arabicPeriod"/>
-            </a:pPr>
-            <a:r>
-              <a:rPr lang="en-US" dirty="0"/>
-              <a:t> How can you make a a visualization more accessible?</a:t>
-            </a:r>
-            <a:endParaRPr dirty="0"/>
-          </a:p>
-        </p:txBody>
-      </p:sp>
-      <p:sp>
-        <p:nvSpPr>
-          <p:cNvPr id="136" name="Google Shape;136;p6"/>
-          <p:cNvSpPr txBox="1">
-            <a:spLocks noGrp="1"/>
-          </p:cNvSpPr>
-          <p:nvPr>
-            <p:ph type="sldNum" idx="12"/>
-          </p:nvPr>
-        </p:nvSpPr>
-        <p:spPr>
-          <a:xfrm>
-            <a:off x="23558552" y="13080999"/>
-            <a:ext cx="241403" cy="374600"/>
-          </a:xfrm>
-          <a:prstGeom prst="rect">
-            <a:avLst/>
-          </a:prstGeom>
-          <a:noFill/>
-          <a:ln>
-            <a:noFill/>
-          </a:ln>
-        </p:spPr>
-        <p:txBody>
-          <a:bodyPr spcFirstLastPara="1" wrap="square" lIns="50800" tIns="50800" rIns="50800" bIns="50800" anchor="b" anchorCtr="0">
-            <a:spAutoFit/>
-          </a:bodyPr>
-          <a:lstStyle/>
-          <a:p>
-            <a:pPr marL="0" lvl="0" indent="0" algn="ctr" rtl="0">
-              <a:lnSpc>
-                <a:spcPct val="100000"/>
-              </a:lnSpc>
-              <a:spcBef>
-                <a:spcPts val="0"/>
-              </a:spcBef>
-              <a:spcAft>
-                <a:spcPts val="0"/>
-              </a:spcAft>
-              <a:buClr>
-                <a:srgbClr val="5E5E5E"/>
-              </a:buClr>
-              <a:buSzPts val="1800"/>
-              <a:buFont typeface="Helvetica Neue"/>
-              <a:buNone/>
-            </a:pPr>
-            <a:fld id="{00000000-1234-1234-1234-123412341234}" type="slidenum">
-              <a:rPr lang="en-US" sz="1800"/>
-              <a:t>3</a:t>
-            </a:fld>
-            <a:endParaRPr/>
-          </a:p>
-        </p:txBody>
-      </p:sp>
-    </p:spTree>
-    <p:extLst>
-      <p:ext uri="{BB962C8B-B14F-4D97-AF65-F5344CB8AC3E}">
-        <p14:creationId xmlns:p14="http://schemas.microsoft.com/office/powerpoint/2010/main" val="1142159817"/>
-      </p:ext>
-    </p:extLst>
-  </p:cSld>
-  <p:clrMapOvr>
-    <a:masterClrMapping/>
-  </p:clrMapOvr>
-</p:sld>
-</file>
-
-<file path=ppt/slides/slide30.xml><?xml version="1.0" encoding="utf-8"?>
+<file path=ppt/slides/slide31.xml><?xml version="1.0" encoding="utf-8"?>
 <p:sld xmlns:a="http://schemas.openxmlformats.org/drawingml/2006/main" xmlns:r="http://schemas.openxmlformats.org/officeDocument/2006/relationships" xmlns:p="http://schemas.openxmlformats.org/presentationml/2006/main">
   <p:cSld>
     <p:spTree>
@@ -28512,7 +28771,7 @@
 </p:sld>
 </file>
 
-<file path=ppt/slides/slide31.xml><?xml version="1.0" encoding="utf-8"?>
+<file path=ppt/slides/slide32.xml><?xml version="1.0" encoding="utf-8"?>
 <p:sld xmlns:a="http://schemas.openxmlformats.org/drawingml/2006/main" xmlns:r="http://schemas.openxmlformats.org/officeDocument/2006/relationships" xmlns:p="http://schemas.openxmlformats.org/presentationml/2006/main">
   <p:cSld>
     <p:spTree>
@@ -28621,7 +28880,7 @@
 </p:sld>
 </file>
 
-<file path=ppt/slides/slide32.xml><?xml version="1.0" encoding="utf-8"?>
+<file path=ppt/slides/slide33.xml><?xml version="1.0" encoding="utf-8"?>
 <p:sld xmlns:a="http://schemas.openxmlformats.org/drawingml/2006/main" xmlns:r="http://schemas.openxmlformats.org/officeDocument/2006/relationships" xmlns:p="http://schemas.openxmlformats.org/presentationml/2006/main">
   <p:cSld>
     <p:spTree>
@@ -28765,7 +29024,7 @@
 </p:sld>
 </file>
 
-<file path=ppt/slides/slide33.xml><?xml version="1.0" encoding="utf-8"?>
+<file path=ppt/slides/slide34.xml><?xml version="1.0" encoding="utf-8"?>
 <p:sld xmlns:a="http://schemas.openxmlformats.org/drawingml/2006/main" xmlns:r="http://schemas.openxmlformats.org/officeDocument/2006/relationships" xmlns:p="http://schemas.openxmlformats.org/presentationml/2006/main">
   <p:cSld>
     <p:spTree>
@@ -28860,7 +29119,7 @@
 </p:sld>
 </file>
 
-<file path=ppt/slides/slide34.xml><?xml version="1.0" encoding="utf-8"?>
+<file path=ppt/slides/slide35.xml><?xml version="1.0" encoding="utf-8"?>
 <p:sld xmlns:a="http://schemas.openxmlformats.org/drawingml/2006/main" xmlns:r="http://schemas.openxmlformats.org/officeDocument/2006/relationships" xmlns:p="http://schemas.openxmlformats.org/presentationml/2006/main">
   <p:cSld>
     <p:spTree>
@@ -29023,7 +29282,7 @@
 </p:sld>
 </file>
 
-<file path=ppt/slides/slide35.xml><?xml version="1.0" encoding="utf-8"?>
+<file path=ppt/slides/slide36.xml><?xml version="1.0" encoding="utf-8"?>
 <p:sld xmlns:a="http://schemas.openxmlformats.org/drawingml/2006/main" xmlns:r="http://schemas.openxmlformats.org/officeDocument/2006/relationships" xmlns:p="http://schemas.openxmlformats.org/presentationml/2006/main">
   <p:cSld>
     <p:spTree>
@@ -29209,7 +29468,7 @@
 </p:sld>
 </file>
 
-<file path=ppt/slides/slide36.xml><?xml version="1.0" encoding="utf-8"?>
+<file path=ppt/slides/slide37.xml><?xml version="1.0" encoding="utf-8"?>
 <p:sld xmlns:a="http://schemas.openxmlformats.org/drawingml/2006/main" xmlns:r="http://schemas.openxmlformats.org/officeDocument/2006/relationships" xmlns:p="http://schemas.openxmlformats.org/presentationml/2006/main">
   <p:cSld>
     <p:spTree>
@@ -29353,7 +29612,7 @@
 </p:sld>
 </file>
 
-<file path=ppt/slides/slide37.xml><?xml version="1.0" encoding="utf-8"?>
+<file path=ppt/slides/slide38.xml><?xml version="1.0" encoding="utf-8"?>
 <p:sld xmlns:a="http://schemas.openxmlformats.org/drawingml/2006/main" xmlns:r="http://schemas.openxmlformats.org/officeDocument/2006/relationships" xmlns:p="http://schemas.openxmlformats.org/presentationml/2006/main">
   <p:cSld>
     <p:spTree>
@@ -29533,7 +29792,7 @@
 </p:sld>
 </file>
 
-<file path=ppt/slides/slide38.xml><?xml version="1.0" encoding="utf-8"?>
+<file path=ppt/slides/slide39.xml><?xml version="1.0" encoding="utf-8"?>
 <p:sld xmlns:a="http://schemas.openxmlformats.org/drawingml/2006/main" xmlns:r="http://schemas.openxmlformats.org/officeDocument/2006/relationships" xmlns:p="http://schemas.openxmlformats.org/presentationml/2006/main">
   <p:cSld>
     <p:spTree>
@@ -29642,7 +29901,243 @@
 </p:sld>
 </file>
 
-<file path=ppt/slides/slide39.xml><?xml version="1.0" encoding="utf-8"?>
+<file path=ppt/slides/slide4.xml><?xml version="1.0" encoding="utf-8"?>
+<p:sld xmlns:a="http://schemas.openxmlformats.org/drawingml/2006/main" xmlns:r="http://schemas.openxmlformats.org/officeDocument/2006/relationships" xmlns:p="http://schemas.openxmlformats.org/presentationml/2006/main">
+  <p:cSld>
+    <p:spTree>
+      <p:nvGrpSpPr>
+        <p:cNvPr id="1" name="Shape 132"/>
+        <p:cNvGrpSpPr/>
+        <p:nvPr/>
+      </p:nvGrpSpPr>
+      <p:grpSpPr>
+        <a:xfrm>
+          <a:off x="0" y="0"/>
+          <a:ext cx="0" cy="0"/>
+          <a:chOff x="0" y="0"/>
+          <a:chExt cx="0" cy="0"/>
+        </a:xfrm>
+      </p:grpSpPr>
+      <p:sp>
+        <p:nvSpPr>
+          <p:cNvPr id="133" name="Google Shape;133;p6"/>
+          <p:cNvSpPr txBox="1">
+            <a:spLocks noGrp="1"/>
+          </p:cNvSpPr>
+          <p:nvPr>
+            <p:ph type="title"/>
+          </p:nvPr>
+        </p:nvSpPr>
+        <p:spPr>
+          <a:xfrm>
+            <a:off x="1206500" y="4424279"/>
+            <a:ext cx="21971000" cy="1869593"/>
+          </a:xfrm>
+          <a:prstGeom prst="rect">
+            <a:avLst/>
+          </a:prstGeom>
+          <a:noFill/>
+          <a:ln>
+            <a:noFill/>
+          </a:ln>
+        </p:spPr>
+        <p:txBody>
+          <a:bodyPr spcFirstLastPara="1" wrap="square" lIns="50800" tIns="50800" rIns="50800" bIns="50800" anchor="t" anchorCtr="0">
+            <a:normAutofit/>
+          </a:bodyPr>
+          <a:lstStyle/>
+          <a:p>
+            <a:pPr marL="0" lvl="0" indent="0" algn="l" rtl="0">
+              <a:lnSpc>
+                <a:spcPct val="80000"/>
+              </a:lnSpc>
+              <a:spcBef>
+                <a:spcPts val="0"/>
+              </a:spcBef>
+              <a:spcAft>
+                <a:spcPts val="0"/>
+              </a:spcAft>
+              <a:buClr>
+                <a:srgbClr val="000000"/>
+              </a:buClr>
+              <a:buSzPts val="8500"/>
+              <a:buFont typeface="Helvetica Neue"/>
+              <a:buNone/>
+            </a:pPr>
+            <a:r>
+              <a:rPr lang="en-US" sz="8500" b="0" i="0" u="none" strike="noStrike" cap="none" dirty="0">
+                <a:solidFill>
+                  <a:srgbClr val="000000"/>
+                </a:solidFill>
+                <a:latin typeface="Helvetica Neue"/>
+                <a:ea typeface="Helvetica Neue"/>
+                <a:cs typeface="Helvetica Neue"/>
+                <a:sym typeface="Helvetica Neue"/>
+              </a:rPr>
+              <a:t>What you will learn today</a:t>
+            </a:r>
+            <a:endParaRPr dirty="0"/>
+          </a:p>
+        </p:txBody>
+      </p:sp>
+      <p:sp>
+        <p:nvSpPr>
+          <p:cNvPr id="135" name="Google Shape;135;p6"/>
+          <p:cNvSpPr txBox="1">
+            <a:spLocks noGrp="1"/>
+          </p:cNvSpPr>
+          <p:nvPr>
+            <p:ph type="body" idx="2"/>
+          </p:nvPr>
+        </p:nvSpPr>
+        <p:spPr>
+          <a:xfrm>
+            <a:off x="1206500" y="6293872"/>
+            <a:ext cx="21971000" cy="2898254"/>
+          </a:xfrm>
+          <a:prstGeom prst="rect">
+            <a:avLst/>
+          </a:prstGeom>
+          <a:noFill/>
+          <a:ln>
+            <a:noFill/>
+          </a:ln>
+        </p:spPr>
+        <p:txBody>
+          <a:bodyPr spcFirstLastPara="1" wrap="square" lIns="50800" tIns="50800" rIns="50800" bIns="50800" anchor="t" anchorCtr="0">
+            <a:normAutofit/>
+          </a:bodyPr>
+          <a:lstStyle/>
+          <a:p>
+            <a:pPr marL="457200" lvl="0" indent="-577850" algn="l" rtl="0">
+              <a:lnSpc>
+                <a:spcPct val="100000"/>
+              </a:lnSpc>
+              <a:spcBef>
+                <a:spcPts val="0"/>
+              </a:spcBef>
+              <a:spcAft>
+                <a:spcPts val="0"/>
+              </a:spcAft>
+              <a:buSzPts val="5500"/>
+              <a:buAutoNum type="arabicPeriod"/>
+            </a:pPr>
+            <a:r>
+              <a:rPr lang="en-US" dirty="0"/>
+              <a:t> What is accessibility?</a:t>
+            </a:r>
+            <a:endParaRPr dirty="0"/>
+          </a:p>
+          <a:p>
+            <a:pPr marL="457200" lvl="0" indent="-577850" algn="l" rtl="0">
+              <a:lnSpc>
+                <a:spcPct val="100000"/>
+              </a:lnSpc>
+              <a:spcBef>
+                <a:spcPts val="0"/>
+              </a:spcBef>
+              <a:spcAft>
+                <a:spcPts val="0"/>
+              </a:spcAft>
+              <a:buSzPts val="5500"/>
+              <a:buAutoNum type="arabicPeriod"/>
+            </a:pPr>
+            <a:r>
+              <a:rPr lang="en-US" dirty="0"/>
+              <a:t> How do you know a visualization is inaccessible? </a:t>
+            </a:r>
+            <a:endParaRPr dirty="0"/>
+          </a:p>
+          <a:p>
+            <a:pPr marL="457200" lvl="0" indent="-577850" algn="l" rtl="0">
+              <a:lnSpc>
+                <a:spcPct val="100000"/>
+              </a:lnSpc>
+              <a:spcBef>
+                <a:spcPts val="0"/>
+              </a:spcBef>
+              <a:spcAft>
+                <a:spcPts val="0"/>
+              </a:spcAft>
+              <a:buSzPts val="5500"/>
+              <a:buAutoNum type="arabicPeriod"/>
+            </a:pPr>
+            <a:r>
+              <a:rPr lang="en-US" dirty="0"/>
+              <a:t> How can you make a a visualization more accessible?</a:t>
+            </a:r>
+            <a:endParaRPr dirty="0"/>
+          </a:p>
+        </p:txBody>
+      </p:sp>
+      <p:sp>
+        <p:nvSpPr>
+          <p:cNvPr id="136" name="Google Shape;136;p6"/>
+          <p:cNvSpPr txBox="1">
+            <a:spLocks noGrp="1"/>
+          </p:cNvSpPr>
+          <p:nvPr>
+            <p:ph type="sldNum" idx="12"/>
+          </p:nvPr>
+        </p:nvSpPr>
+        <p:spPr>
+          <a:xfrm>
+            <a:off x="23558552" y="13080999"/>
+            <a:ext cx="241403" cy="374600"/>
+          </a:xfrm>
+          <a:prstGeom prst="rect">
+            <a:avLst/>
+          </a:prstGeom>
+          <a:noFill/>
+          <a:ln>
+            <a:noFill/>
+          </a:ln>
+        </p:spPr>
+        <p:txBody>
+          <a:bodyPr spcFirstLastPara="1" wrap="square" lIns="50800" tIns="50800" rIns="50800" bIns="50800" anchor="b" anchorCtr="0">
+            <a:spAutoFit/>
+          </a:bodyPr>
+          <a:lstStyle/>
+          <a:p>
+            <a:pPr marL="0" lvl="0" indent="0" algn="ctr" rtl="0">
+              <a:lnSpc>
+                <a:spcPct val="100000"/>
+              </a:lnSpc>
+              <a:spcBef>
+                <a:spcPts val="0"/>
+              </a:spcBef>
+              <a:spcAft>
+                <a:spcPts val="0"/>
+              </a:spcAft>
+              <a:buClr>
+                <a:srgbClr val="5E5E5E"/>
+              </a:buClr>
+              <a:buSzPts val="1800"/>
+              <a:buFont typeface="Helvetica Neue"/>
+              <a:buNone/>
+            </a:pPr>
+            <a:fld id="{00000000-1234-1234-1234-123412341234}" type="slidenum">
+              <a:rPr lang="en-US" sz="1800"/>
+              <a:t>4</a:t>
+            </a:fld>
+            <a:endParaRPr/>
+          </a:p>
+        </p:txBody>
+      </p:sp>
+    </p:spTree>
+    <p:extLst>
+      <p:ext uri="{BB962C8B-B14F-4D97-AF65-F5344CB8AC3E}">
+        <p14:creationId xmlns:p14="http://schemas.microsoft.com/office/powerpoint/2010/main" val="1142159817"/>
+      </p:ext>
+    </p:extLst>
+  </p:cSld>
+  <p:clrMapOvr>
+    <a:masterClrMapping/>
+  </p:clrMapOvr>
+</p:sld>
+</file>
+
+<file path=ppt/slides/slide40.xml><?xml version="1.0" encoding="utf-8"?>
 <p:sld xmlns:a="http://schemas.openxmlformats.org/drawingml/2006/main" xmlns:r="http://schemas.openxmlformats.org/officeDocument/2006/relationships" xmlns:p="http://schemas.openxmlformats.org/presentationml/2006/main">
   <p:cSld>
     <p:spTree>
@@ -29786,132 +30281,7 @@
 </p:sld>
 </file>
 
-<file path=ppt/slides/slide4.xml><?xml version="1.0" encoding="utf-8"?>
-<p:sld xmlns:a="http://schemas.openxmlformats.org/drawingml/2006/main" xmlns:r="http://schemas.openxmlformats.org/officeDocument/2006/relationships" xmlns:p="http://schemas.openxmlformats.org/presentationml/2006/main">
-  <p:cSld>
-    <p:spTree>
-      <p:nvGrpSpPr>
-        <p:cNvPr id="1" name="Shape 163"/>
-        <p:cNvGrpSpPr/>
-        <p:nvPr/>
-      </p:nvGrpSpPr>
-      <p:grpSpPr>
-        <a:xfrm>
-          <a:off x="0" y="0"/>
-          <a:ext cx="0" cy="0"/>
-          <a:chOff x="0" y="0"/>
-          <a:chExt cx="0" cy="0"/>
-        </a:xfrm>
-      </p:grpSpPr>
-      <p:sp>
-        <p:nvSpPr>
-          <p:cNvPr id="164" name="Google Shape;164;g10104eaf235_0_17"/>
-          <p:cNvSpPr txBox="1">
-            <a:spLocks noGrp="1"/>
-          </p:cNvSpPr>
-          <p:nvPr>
-            <p:ph type="title"/>
-          </p:nvPr>
-        </p:nvSpPr>
-        <p:spPr>
-          <a:xfrm>
-            <a:off x="1206450" y="4568658"/>
-            <a:ext cx="21971100" cy="1433100"/>
-          </a:xfrm>
-          <a:prstGeom prst="rect">
-            <a:avLst/>
-          </a:prstGeom>
-        </p:spPr>
-        <p:txBody>
-          <a:bodyPr spcFirstLastPara="1" wrap="square" lIns="50800" tIns="50800" rIns="50800" bIns="50800" anchor="t" anchorCtr="0">
-            <a:normAutofit/>
-          </a:bodyPr>
-          <a:lstStyle/>
-          <a:p>
-            <a:pPr marL="0" lvl="0" indent="0" algn="l" rtl="0">
-              <a:spcBef>
-                <a:spcPts val="0"/>
-              </a:spcBef>
-              <a:spcAft>
-                <a:spcPts val="0"/>
-              </a:spcAft>
-              <a:buNone/>
-            </a:pPr>
-            <a:r>
-              <a:rPr lang="en-US" dirty="0"/>
-              <a:t>Discuss: What is accessibility?</a:t>
-            </a:r>
-            <a:endParaRPr dirty="0"/>
-          </a:p>
-        </p:txBody>
-      </p:sp>
-      <p:sp>
-        <p:nvSpPr>
-          <p:cNvPr id="166" name="Google Shape;166;g10104eaf235_0_17"/>
-          <p:cNvSpPr txBox="1">
-            <a:spLocks noGrp="1"/>
-          </p:cNvSpPr>
-          <p:nvPr>
-            <p:ph type="body" idx="2"/>
-          </p:nvPr>
-        </p:nvSpPr>
-        <p:spPr>
-          <a:xfrm>
-            <a:off x="1206450" y="6197620"/>
-            <a:ext cx="21971100" cy="8256000"/>
-          </a:xfrm>
-          <a:prstGeom prst="rect">
-            <a:avLst/>
-          </a:prstGeom>
-        </p:spPr>
-        <p:txBody>
-          <a:bodyPr spcFirstLastPara="1" wrap="square" lIns="50800" tIns="50800" rIns="50800" bIns="50800" anchor="t" anchorCtr="0">
-            <a:normAutofit/>
-          </a:bodyPr>
-          <a:lstStyle/>
-          <a:p>
-            <a:pPr marL="0" lvl="0" indent="0" algn="l" rtl="0">
-              <a:spcBef>
-                <a:spcPts val="1800"/>
-              </a:spcBef>
-              <a:spcAft>
-                <a:spcPts val="0"/>
-              </a:spcAft>
-              <a:buNone/>
-            </a:pPr>
-            <a:r>
-              <a:rPr lang="en-US" sz="5500" i="1" dirty="0"/>
-              <a:t>Bonus discussion:</a:t>
-            </a:r>
-            <a:endParaRPr sz="5500" i="1" dirty="0"/>
-          </a:p>
-          <a:p>
-            <a:pPr marL="0" lvl="0" indent="0" algn="l" rtl="0">
-              <a:spcBef>
-                <a:spcPts val="1800"/>
-              </a:spcBef>
-              <a:spcAft>
-                <a:spcPts val="0"/>
-              </a:spcAft>
-              <a:buNone/>
-            </a:pPr>
-            <a:r>
-              <a:rPr lang="en-US" sz="5500" dirty="0"/>
-              <a:t>What is “Inclusive Design” and how is it different from accessibility?</a:t>
-            </a:r>
-            <a:endParaRPr sz="5500" dirty="0"/>
-          </a:p>
-        </p:txBody>
-      </p:sp>
-    </p:spTree>
-  </p:cSld>
-  <p:clrMapOvr>
-    <a:masterClrMapping/>
-  </p:clrMapOvr>
-</p:sld>
-</file>
-
-<file path=ppt/slides/slide40.xml><?xml version="1.0" encoding="utf-8"?>
+<file path=ppt/slides/slide41.xml><?xml version="1.0" encoding="utf-8"?>
 <p:sld xmlns:a="http://schemas.openxmlformats.org/drawingml/2006/main" xmlns:r="http://schemas.openxmlformats.org/officeDocument/2006/relationships" xmlns:p="http://schemas.openxmlformats.org/presentationml/2006/main">
   <p:cSld>
     <p:spTree>
@@ -30006,7 +30376,7 @@
 </p:sld>
 </file>
 
-<file path=ppt/slides/slide41.xml><?xml version="1.0" encoding="utf-8"?>
+<file path=ppt/slides/slide42.xml><?xml version="1.0" encoding="utf-8"?>
 <p:sld xmlns:a="http://schemas.openxmlformats.org/drawingml/2006/main" xmlns:r="http://schemas.openxmlformats.org/officeDocument/2006/relationships" xmlns:p="http://schemas.openxmlformats.org/presentationml/2006/main">
   <p:cSld>
     <p:spTree>
@@ -30101,7 +30471,7 @@
 </p:sld>
 </file>
 
-<file path=ppt/slides/slide42.xml><?xml version="1.0" encoding="utf-8"?>
+<file path=ppt/slides/slide43.xml><?xml version="1.0" encoding="utf-8"?>
 <p:sld xmlns:a="http://schemas.openxmlformats.org/drawingml/2006/main" xmlns:r="http://schemas.openxmlformats.org/officeDocument/2006/relationships" xmlns:p="http://schemas.openxmlformats.org/presentationml/2006/main">
   <p:cSld>
     <p:spTree>
@@ -30276,7 +30646,7 @@
 </p:sld>
 </file>
 
-<file path=ppt/slides/slide43.xml><?xml version="1.0" encoding="utf-8"?>
+<file path=ppt/slides/slide44.xml><?xml version="1.0" encoding="utf-8"?>
 <p:sld xmlns:a="http://schemas.openxmlformats.org/drawingml/2006/main" xmlns:r="http://schemas.openxmlformats.org/officeDocument/2006/relationships" xmlns:p="http://schemas.openxmlformats.org/presentationml/2006/main">
   <p:cSld>
     <p:spTree>
@@ -30449,7 +30819,7 @@
 </p:sld>
 </file>
 
-<file path=ppt/slides/slide44.xml><?xml version="1.0" encoding="utf-8"?>
+<file path=ppt/slides/slide45.xml><?xml version="1.0" encoding="utf-8"?>
 <p:sld xmlns:a="http://schemas.openxmlformats.org/drawingml/2006/main" xmlns:r="http://schemas.openxmlformats.org/officeDocument/2006/relationships" xmlns:p="http://schemas.openxmlformats.org/presentationml/2006/main">
   <p:cSld>
     <p:spTree>
@@ -30632,7 +31002,7 @@
 </p:sld>
 </file>
 
-<file path=ppt/slides/slide45.xml><?xml version="1.0" encoding="utf-8"?>
+<file path=ppt/slides/slide46.xml><?xml version="1.0" encoding="utf-8"?>
 <p:sld xmlns:a="http://schemas.openxmlformats.org/drawingml/2006/main" xmlns:r="http://schemas.openxmlformats.org/officeDocument/2006/relationships" xmlns:p="http://schemas.openxmlformats.org/presentationml/2006/main">
   <p:cSld>
     <p:spTree>
@@ -30740,7 +31110,7 @@
 </p:sld>
 </file>
 
-<file path=ppt/slides/slide46.xml><?xml version="1.0" encoding="utf-8"?>
+<file path=ppt/slides/slide47.xml><?xml version="1.0" encoding="utf-8"?>
 <p:sld xmlns:a="http://schemas.openxmlformats.org/drawingml/2006/main" xmlns:r="http://schemas.openxmlformats.org/officeDocument/2006/relationships" xmlns:p="http://schemas.openxmlformats.org/presentationml/2006/main">
   <p:cSld>
     <p:spTree>
@@ -31051,7 +31421,7 @@
             </a:pPr>
             <a:fld id="{00000000-1234-1234-1234-123412341234}" type="slidenum">
               <a:rPr lang="en-US" sz="1800"/>
-              <a:t>46</a:t>
+              <a:t>47</a:t>
             </a:fld>
             <a:endParaRPr/>
           </a:p>
@@ -31065,7 +31435,7 @@
 </p:sld>
 </file>
 
-<file path=ppt/slides/slide47.xml><?xml version="1.0" encoding="utf-8"?>
+<file path=ppt/slides/slide48.xml><?xml version="1.0" encoding="utf-8"?>
 <p:sld xmlns:a="http://schemas.openxmlformats.org/drawingml/2006/main" xmlns:r="http://schemas.openxmlformats.org/officeDocument/2006/relationships" xmlns:p="http://schemas.openxmlformats.org/presentationml/2006/main">
   <p:cSld>
     <p:spTree>
@@ -31217,7 +31587,7 @@
 </p:sld>
 </file>
 
-<file path=ppt/slides/slide48.xml><?xml version="1.0" encoding="utf-8"?>
+<file path=ppt/slides/slide49.xml><?xml version="1.0" encoding="utf-8"?>
 <p:sld xmlns:a="http://schemas.openxmlformats.org/drawingml/2006/main" xmlns:r="http://schemas.openxmlformats.org/officeDocument/2006/relationships" xmlns:p="http://schemas.openxmlformats.org/presentationml/2006/main">
   <p:cSld>
     <p:spTree>
@@ -31554,7 +31924,7 @@
             </a:pPr>
             <a:fld id="{00000000-1234-1234-1234-123412341234}" type="slidenum">
               <a:rPr lang="en-US" sz="1800"/>
-              <a:t>48</a:t>
+              <a:t>49</a:t>
             </a:fld>
             <a:endParaRPr/>
           </a:p>
@@ -31621,6 +31991,131 @@
             </a:pPr>
             <a:r>
               <a:rPr lang="en-US" dirty="0"/>
+              <a:t>Discuss: What is accessibility?</a:t>
+            </a:r>
+            <a:endParaRPr dirty="0"/>
+          </a:p>
+        </p:txBody>
+      </p:sp>
+      <p:sp>
+        <p:nvSpPr>
+          <p:cNvPr id="166" name="Google Shape;166;g10104eaf235_0_17"/>
+          <p:cNvSpPr txBox="1">
+            <a:spLocks noGrp="1"/>
+          </p:cNvSpPr>
+          <p:nvPr>
+            <p:ph type="body" idx="2"/>
+          </p:nvPr>
+        </p:nvSpPr>
+        <p:spPr>
+          <a:xfrm>
+            <a:off x="1206450" y="6197620"/>
+            <a:ext cx="21971100" cy="8256000"/>
+          </a:xfrm>
+          <a:prstGeom prst="rect">
+            <a:avLst/>
+          </a:prstGeom>
+        </p:spPr>
+        <p:txBody>
+          <a:bodyPr spcFirstLastPara="1" wrap="square" lIns="50800" tIns="50800" rIns="50800" bIns="50800" anchor="t" anchorCtr="0">
+            <a:normAutofit/>
+          </a:bodyPr>
+          <a:lstStyle/>
+          <a:p>
+            <a:pPr marL="0" lvl="0" indent="0" algn="l" rtl="0">
+              <a:spcBef>
+                <a:spcPts val="1800"/>
+              </a:spcBef>
+              <a:spcAft>
+                <a:spcPts val="0"/>
+              </a:spcAft>
+              <a:buNone/>
+            </a:pPr>
+            <a:r>
+              <a:rPr lang="en-US" sz="5500" i="1" dirty="0"/>
+              <a:t>Bonus discussion:</a:t>
+            </a:r>
+            <a:endParaRPr sz="5500" i="1" dirty="0"/>
+          </a:p>
+          <a:p>
+            <a:pPr marL="0" lvl="0" indent="0" algn="l" rtl="0">
+              <a:spcBef>
+                <a:spcPts val="1800"/>
+              </a:spcBef>
+              <a:spcAft>
+                <a:spcPts val="0"/>
+              </a:spcAft>
+              <a:buNone/>
+            </a:pPr>
+            <a:r>
+              <a:rPr lang="en-US" sz="5500" dirty="0"/>
+              <a:t>What is “Inclusive Design” and how is it different from accessibility?</a:t>
+            </a:r>
+            <a:endParaRPr sz="5500" dirty="0"/>
+          </a:p>
+        </p:txBody>
+      </p:sp>
+    </p:spTree>
+  </p:cSld>
+  <p:clrMapOvr>
+    <a:masterClrMapping/>
+  </p:clrMapOvr>
+</p:sld>
+</file>
+
+<file path=ppt/slides/slide6.xml><?xml version="1.0" encoding="utf-8"?>
+<p:sld xmlns:a="http://schemas.openxmlformats.org/drawingml/2006/main" xmlns:r="http://schemas.openxmlformats.org/officeDocument/2006/relationships" xmlns:p="http://schemas.openxmlformats.org/presentationml/2006/main">
+  <p:cSld>
+    <p:spTree>
+      <p:nvGrpSpPr>
+        <p:cNvPr id="1" name="Shape 163"/>
+        <p:cNvGrpSpPr/>
+        <p:nvPr/>
+      </p:nvGrpSpPr>
+      <p:grpSpPr>
+        <a:xfrm>
+          <a:off x="0" y="0"/>
+          <a:ext cx="0" cy="0"/>
+          <a:chOff x="0" y="0"/>
+          <a:chExt cx="0" cy="0"/>
+        </a:xfrm>
+      </p:grpSpPr>
+      <p:sp>
+        <p:nvSpPr>
+          <p:cNvPr id="164" name="Google Shape;164;g10104eaf235_0_17"/>
+          <p:cNvSpPr txBox="1">
+            <a:spLocks noGrp="1"/>
+          </p:cNvSpPr>
+          <p:nvPr>
+            <p:ph type="title"/>
+          </p:nvPr>
+        </p:nvSpPr>
+        <p:spPr>
+          <a:xfrm>
+            <a:off x="1206450" y="4568658"/>
+            <a:ext cx="21971100" cy="1433100"/>
+          </a:xfrm>
+          <a:prstGeom prst="rect">
+            <a:avLst/>
+          </a:prstGeom>
+        </p:spPr>
+        <p:txBody>
+          <a:bodyPr spcFirstLastPara="1" wrap="square" lIns="50800" tIns="50800" rIns="50800" bIns="50800" anchor="t" anchorCtr="0">
+            <a:normAutofit/>
+          </a:bodyPr>
+          <a:lstStyle/>
+          <a:p>
+            <a:pPr marL="0" lvl="0" indent="0" algn="l" rtl="0">
+              <a:spcBef>
+                <a:spcPts val="0"/>
+              </a:spcBef>
+              <a:spcAft>
+                <a:spcPts val="0"/>
+              </a:spcAft>
+              <a:buNone/>
+            </a:pPr>
+            <a:r>
+              <a:rPr lang="en-US" dirty="0"/>
               <a:t>Accessibility (some working definitions):</a:t>
             </a:r>
             <a:endParaRPr dirty="0"/>
@@ -31681,7 +32176,7 @@
 </p:sld>
 </file>
 
-<file path=ppt/slides/slide6.xml><?xml version="1.0" encoding="utf-8"?>
+<file path=ppt/slides/slide7.xml><?xml version="1.0" encoding="utf-8"?>
 <p:sld xmlns:a="http://schemas.openxmlformats.org/drawingml/2006/main" xmlns:r="http://schemas.openxmlformats.org/officeDocument/2006/relationships" xmlns:p="http://schemas.openxmlformats.org/presentationml/2006/main">
   <p:cSld>
     <p:spTree>
@@ -32176,7 +32671,7 @@
 </p:sld>
 </file>
 
-<file path=ppt/slides/slide7.xml><?xml version="1.0" encoding="utf-8"?>
+<file path=ppt/slides/slide8.xml><?xml version="1.0" encoding="utf-8"?>
 <p:sld xmlns:a="http://schemas.openxmlformats.org/drawingml/2006/main" xmlns:r="http://schemas.openxmlformats.org/officeDocument/2006/relationships" xmlns:p="http://schemas.openxmlformats.org/presentationml/2006/main">
   <p:cSld>
     <p:spTree>
@@ -33116,7 +33611,7 @@
 </p:sld>
 </file>
 
-<file path=ppt/slides/slide8.xml><?xml version="1.0" encoding="utf-8"?>
+<file path=ppt/slides/slide9.xml><?xml version="1.0" encoding="utf-8"?>
 <p:sld xmlns:a="http://schemas.openxmlformats.org/drawingml/2006/main" xmlns:r="http://schemas.openxmlformats.org/officeDocument/2006/relationships" xmlns:p="http://schemas.openxmlformats.org/presentationml/2006/main">
   <p:cSld>
     <p:spTree>
@@ -33175,247 +33670,6 @@
           </a:p>
         </p:txBody>
       </p:sp>
-    </p:spTree>
-  </p:cSld>
-  <p:clrMapOvr>
-    <a:masterClrMapping/>
-  </p:clrMapOvr>
-</p:sld>
-</file>
-
-<file path=ppt/slides/slide9.xml><?xml version="1.0" encoding="utf-8"?>
-<p:sld xmlns:a="http://schemas.openxmlformats.org/drawingml/2006/main" xmlns:r="http://schemas.openxmlformats.org/officeDocument/2006/relationships" xmlns:p="http://schemas.openxmlformats.org/presentationml/2006/main">
-  <p:cSld>
-    <p:spTree>
-      <p:nvGrpSpPr>
-        <p:cNvPr id="1" name="Shape 177"/>
-        <p:cNvGrpSpPr/>
-        <p:nvPr/>
-      </p:nvGrpSpPr>
-      <p:grpSpPr>
-        <a:xfrm>
-          <a:off x="0" y="0"/>
-          <a:ext cx="0" cy="0"/>
-          <a:chOff x="0" y="0"/>
-          <a:chExt cx="0" cy="0"/>
-        </a:xfrm>
-      </p:grpSpPr>
-      <p:sp>
-        <p:nvSpPr>
-          <p:cNvPr id="178" name="Google Shape;178;g10104eaf235_0_35"/>
-          <p:cNvSpPr txBox="1">
-            <a:spLocks noGrp="1"/>
-          </p:cNvSpPr>
-          <p:nvPr>
-            <p:ph type="title"/>
-          </p:nvPr>
-        </p:nvSpPr>
-        <p:spPr>
-          <a:xfrm>
-            <a:off x="1206450" y="1300074"/>
-            <a:ext cx="21971100" cy="1433100"/>
-          </a:xfrm>
-          <a:prstGeom prst="rect">
-            <a:avLst/>
-          </a:prstGeom>
-        </p:spPr>
-        <p:txBody>
-          <a:bodyPr spcFirstLastPara="1" wrap="square" lIns="50800" tIns="50800" rIns="50800" bIns="50800" anchor="t" anchorCtr="0">
-            <a:normAutofit/>
-          </a:bodyPr>
-          <a:lstStyle/>
-          <a:p>
-            <a:pPr marL="0" lvl="0" indent="0" algn="l" rtl="0">
-              <a:spcBef>
-                <a:spcPts val="0"/>
-              </a:spcBef>
-              <a:spcAft>
-                <a:spcPts val="0"/>
-              </a:spcAft>
-              <a:buNone/>
-            </a:pPr>
-            <a:r>
-              <a:rPr lang="en-US" dirty="0"/>
-              <a:t>1. Access is a human right</a:t>
-            </a:r>
-            <a:endParaRPr dirty="0"/>
-          </a:p>
-        </p:txBody>
-      </p:sp>
-      <p:sp>
-        <p:nvSpPr>
-          <p:cNvPr id="179" name="Google Shape;179;g10104eaf235_0_35"/>
-          <p:cNvSpPr txBox="1">
-            <a:spLocks noGrp="1"/>
-          </p:cNvSpPr>
-          <p:nvPr>
-            <p:ph type="body" idx="1"/>
-          </p:nvPr>
-        </p:nvSpPr>
-        <p:spPr>
-          <a:xfrm>
-            <a:off x="1183250" y="12169100"/>
-            <a:ext cx="21971100" cy="934800"/>
-          </a:xfrm>
-          <a:prstGeom prst="rect">
-            <a:avLst/>
-          </a:prstGeom>
-        </p:spPr>
-        <p:txBody>
-          <a:bodyPr spcFirstLastPara="1" wrap="square" lIns="45700" tIns="45700" rIns="45700" bIns="45700" anchor="t" anchorCtr="0">
-            <a:normAutofit/>
-          </a:bodyPr>
-          <a:lstStyle/>
-          <a:p>
-            <a:pPr marL="0" lvl="0" indent="0" algn="l" rtl="0">
-              <a:lnSpc>
-                <a:spcPct val="80000"/>
-              </a:lnSpc>
-              <a:spcBef>
-                <a:spcPts val="0"/>
-              </a:spcBef>
-              <a:spcAft>
-                <a:spcPts val="0"/>
-              </a:spcAft>
-              <a:buSzPts val="688"/>
-              <a:buNone/>
-            </a:pPr>
-            <a:r>
-              <a:rPr lang="en-US" sz="2937" u="sng" dirty="0">
-                <a:solidFill>
-                  <a:schemeClr val="hlink"/>
-                </a:solidFill>
-                <a:hlinkClick r:id="rId3"/>
-              </a:rPr>
-              <a:t>https://www.un.org/development/desa/disabilities/convention-on-the-rights-of-persons-with-disabilities/article-9-accessibility.html</a:t>
-            </a:r>
-            <a:endParaRPr sz="2937" dirty="0"/>
-          </a:p>
-          <a:p>
-            <a:pPr marL="0" lvl="0" indent="0" algn="l" rtl="0">
-              <a:lnSpc>
-                <a:spcPct val="80000"/>
-              </a:lnSpc>
-              <a:spcBef>
-                <a:spcPts val="0"/>
-              </a:spcBef>
-              <a:spcAft>
-                <a:spcPts val="0"/>
-              </a:spcAft>
-              <a:buSzPts val="688"/>
-              <a:buNone/>
-            </a:pPr>
-            <a:r>
-              <a:rPr lang="en-US" sz="2937" u="sng" dirty="0">
-                <a:solidFill>
-                  <a:schemeClr val="hlink"/>
-                </a:solidFill>
-                <a:hlinkClick r:id="rId4"/>
-              </a:rPr>
-              <a:t>https://www.un.org/development/desa/disabilities/convention-on-the-rights-of-persons-with-disabilities/article-10-right-to-life.html</a:t>
-            </a:r>
-            <a:endParaRPr sz="2937" dirty="0"/>
-          </a:p>
-        </p:txBody>
-      </p:sp>
-      <p:sp>
-        <p:nvSpPr>
-          <p:cNvPr id="180" name="Google Shape;180;g10104eaf235_0_35"/>
-          <p:cNvSpPr txBox="1">
-            <a:spLocks noGrp="1"/>
-          </p:cNvSpPr>
-          <p:nvPr>
-            <p:ph type="body" idx="2"/>
-          </p:nvPr>
-        </p:nvSpPr>
-        <p:spPr>
-          <a:xfrm>
-            <a:off x="1183250" y="5151310"/>
-            <a:ext cx="11642413" cy="4599654"/>
-          </a:xfrm>
-          <a:prstGeom prst="rect">
-            <a:avLst/>
-          </a:prstGeom>
-        </p:spPr>
-        <p:txBody>
-          <a:bodyPr spcFirstLastPara="1" wrap="square" lIns="50800" tIns="50800" rIns="50800" bIns="50800" anchor="t" anchorCtr="0">
-            <a:normAutofit/>
-          </a:bodyPr>
-          <a:lstStyle/>
-          <a:p>
-            <a:pPr marL="0" lvl="0" indent="0" algn="l" rtl="0">
-              <a:spcBef>
-                <a:spcPts val="1800"/>
-              </a:spcBef>
-              <a:spcAft>
-                <a:spcPts val="0"/>
-              </a:spcAft>
-              <a:buNone/>
-            </a:pPr>
-            <a:r>
-              <a:rPr lang="en-US" dirty="0"/>
-              <a:t>Accessibility is an internationally recognized human right.</a:t>
-            </a:r>
-            <a:endParaRPr dirty="0"/>
-          </a:p>
-          <a:p>
-            <a:pPr marL="0" lvl="0" indent="0" algn="l" rtl="0">
-              <a:spcBef>
-                <a:spcPts val="1800"/>
-              </a:spcBef>
-              <a:spcAft>
-                <a:spcPts val="0"/>
-              </a:spcAft>
-              <a:buNone/>
-            </a:pPr>
-            <a:endParaRPr dirty="0"/>
-          </a:p>
-          <a:p>
-            <a:pPr marL="0" lvl="0" indent="0" algn="l" rtl="0">
-              <a:spcBef>
-                <a:spcPts val="1800"/>
-              </a:spcBef>
-              <a:spcAft>
-                <a:spcPts val="0"/>
-              </a:spcAft>
-              <a:buNone/>
-            </a:pPr>
-            <a:r>
-              <a:rPr lang="en-US" dirty="0"/>
-              <a:t>It is the morally and ethically correct thing to do.</a:t>
-            </a:r>
-            <a:endParaRPr dirty="0"/>
-          </a:p>
-        </p:txBody>
-      </p:sp>
-      <p:pic>
-        <p:nvPicPr>
-          <p:cNvPr id="181" name="Google Shape;181;g10104eaf235_0_35" title="united nations logo"/>
-          <p:cNvPicPr preferRelativeResize="0"/>
-          <p:nvPr/>
-        </p:nvPicPr>
-        <p:blipFill>
-          <a:blip r:embed="rId5">
-            <a:alphaModFix/>
-          </a:blip>
-          <a:stretch>
-            <a:fillRect/>
-          </a:stretch>
-        </p:blipFill>
-        <p:spPr>
-          <a:xfrm>
-            <a:off x="13423900" y="3307762"/>
-            <a:ext cx="9753600" cy="8286750"/>
-          </a:xfrm>
-          <a:prstGeom prst="rect">
-            <a:avLst/>
-          </a:prstGeom>
-          <a:noFill/>
-          <a:ln>
-            <a:noFill/>
-          </a:ln>
-        </p:spPr>
-      </p:pic>
     </p:spTree>
   </p:cSld>
   <p:clrMapOvr>
